--- a/视频版资料/总结.pptx
+++ b/视频版资料/总结.pptx
@@ -8,7 +8,9 @@
     <p:sldId id="256" r:id="rId2"/>
     <p:sldId id="258" r:id="rId3"/>
     <p:sldId id="257" r:id="rId4"/>
-    <p:sldId id="259" r:id="rId5"/>
+    <p:sldId id="260" r:id="rId5"/>
+    <p:sldId id="259" r:id="rId6"/>
+    <p:sldId id="261" r:id="rId7"/>
   </p:sldIdLst>
   <p:sldSz cx="12192000" cy="6858000"/>
   <p:notesSz cx="6858000" cy="9144000"/>
@@ -262,7 +264,7 @@
           <a:p>
             <a:fld id="{1555CED8-84AE-48EC-80CB-7B6656CD7E72}" type="datetimeFigureOut">
               <a:rPr lang="zh-CN" altLang="en-US" smtClean="0"/>
-              <a:t>2021/1/10</a:t>
+              <a:t>2021/3/7</a:t>
             </a:fld>
             <a:endParaRPr lang="zh-CN" altLang="en-US"/>
           </a:p>
@@ -460,7 +462,7 @@
           <a:p>
             <a:fld id="{1555CED8-84AE-48EC-80CB-7B6656CD7E72}" type="datetimeFigureOut">
               <a:rPr lang="zh-CN" altLang="en-US" smtClean="0"/>
-              <a:t>2021/1/10</a:t>
+              <a:t>2021/3/7</a:t>
             </a:fld>
             <a:endParaRPr lang="zh-CN" altLang="en-US"/>
           </a:p>
@@ -668,7 +670,7 @@
           <a:p>
             <a:fld id="{1555CED8-84AE-48EC-80CB-7B6656CD7E72}" type="datetimeFigureOut">
               <a:rPr lang="zh-CN" altLang="en-US" smtClean="0"/>
-              <a:t>2021/1/10</a:t>
+              <a:t>2021/3/7</a:t>
             </a:fld>
             <a:endParaRPr lang="zh-CN" altLang="en-US"/>
           </a:p>
@@ -866,7 +868,7 @@
           <a:p>
             <a:fld id="{1555CED8-84AE-48EC-80CB-7B6656CD7E72}" type="datetimeFigureOut">
               <a:rPr lang="zh-CN" altLang="en-US" smtClean="0"/>
-              <a:t>2021/1/10</a:t>
+              <a:t>2021/3/7</a:t>
             </a:fld>
             <a:endParaRPr lang="zh-CN" altLang="en-US"/>
           </a:p>
@@ -1141,7 +1143,7 @@
           <a:p>
             <a:fld id="{1555CED8-84AE-48EC-80CB-7B6656CD7E72}" type="datetimeFigureOut">
               <a:rPr lang="zh-CN" altLang="en-US" smtClean="0"/>
-              <a:t>2021/1/10</a:t>
+              <a:t>2021/3/7</a:t>
             </a:fld>
             <a:endParaRPr lang="zh-CN" altLang="en-US"/>
           </a:p>
@@ -1406,7 +1408,7 @@
           <a:p>
             <a:fld id="{1555CED8-84AE-48EC-80CB-7B6656CD7E72}" type="datetimeFigureOut">
               <a:rPr lang="zh-CN" altLang="en-US" smtClean="0"/>
-              <a:t>2021/1/10</a:t>
+              <a:t>2021/3/7</a:t>
             </a:fld>
             <a:endParaRPr lang="zh-CN" altLang="en-US"/>
           </a:p>
@@ -1818,7 +1820,7 @@
           <a:p>
             <a:fld id="{1555CED8-84AE-48EC-80CB-7B6656CD7E72}" type="datetimeFigureOut">
               <a:rPr lang="zh-CN" altLang="en-US" smtClean="0"/>
-              <a:t>2021/1/10</a:t>
+              <a:t>2021/3/7</a:t>
             </a:fld>
             <a:endParaRPr lang="zh-CN" altLang="en-US"/>
           </a:p>
@@ -1959,7 +1961,7 @@
           <a:p>
             <a:fld id="{1555CED8-84AE-48EC-80CB-7B6656CD7E72}" type="datetimeFigureOut">
               <a:rPr lang="zh-CN" altLang="en-US" smtClean="0"/>
-              <a:t>2021/1/10</a:t>
+              <a:t>2021/3/7</a:t>
             </a:fld>
             <a:endParaRPr lang="zh-CN" altLang="en-US"/>
           </a:p>
@@ -2072,7 +2074,7 @@
           <a:p>
             <a:fld id="{1555CED8-84AE-48EC-80CB-7B6656CD7E72}" type="datetimeFigureOut">
               <a:rPr lang="zh-CN" altLang="en-US" smtClean="0"/>
-              <a:t>2021/1/10</a:t>
+              <a:t>2021/3/7</a:t>
             </a:fld>
             <a:endParaRPr lang="zh-CN" altLang="en-US"/>
           </a:p>
@@ -2383,7 +2385,7 @@
           <a:p>
             <a:fld id="{1555CED8-84AE-48EC-80CB-7B6656CD7E72}" type="datetimeFigureOut">
               <a:rPr lang="zh-CN" altLang="en-US" smtClean="0"/>
-              <a:t>2021/1/10</a:t>
+              <a:t>2021/3/7</a:t>
             </a:fld>
             <a:endParaRPr lang="zh-CN" altLang="en-US"/>
           </a:p>
@@ -2671,7 +2673,7 @@
           <a:p>
             <a:fld id="{1555CED8-84AE-48EC-80CB-7B6656CD7E72}" type="datetimeFigureOut">
               <a:rPr lang="zh-CN" altLang="en-US" smtClean="0"/>
-              <a:t>2021/1/10</a:t>
+              <a:t>2021/3/7</a:t>
             </a:fld>
             <a:endParaRPr lang="zh-CN" altLang="en-US"/>
           </a:p>
@@ -2912,7 +2914,7 @@
           <a:p>
             <a:fld id="{1555CED8-84AE-48EC-80CB-7B6656CD7E72}" type="datetimeFigureOut">
               <a:rPr lang="zh-CN" altLang="en-US" smtClean="0"/>
-              <a:t>2021/1/10</a:t>
+              <a:t>2021/3/7</a:t>
             </a:fld>
             <a:endParaRPr lang="zh-CN" altLang="en-US"/>
           </a:p>
@@ -5677,7 +5679,2953 @@
     </p:spTree>
     <p:extLst>
       <p:ext uri="{BB962C8B-B14F-4D97-AF65-F5344CB8AC3E}">
+        <p14:creationId xmlns:p14="http://schemas.microsoft.com/office/powerpoint/2010/main" val="2802153138"/>
+      </p:ext>
+    </p:extLst>
+  </p:cSld>
+  <p:clrMapOvr>
+    <a:masterClrMapping/>
+  </p:clrMapOvr>
+</p:sld>
+</file>
+
+<file path=ppt/slides/slide5.xml><?xml version="1.0" encoding="utf-8"?>
+<p:sld xmlns:a="http://schemas.openxmlformats.org/drawingml/2006/main" xmlns:r="http://schemas.openxmlformats.org/officeDocument/2006/relationships" xmlns:p="http://schemas.openxmlformats.org/presentationml/2006/main">
+  <p:cSld>
+    <p:spTree>
+      <p:nvGrpSpPr>
+        <p:cNvPr id="1" name=""/>
+        <p:cNvGrpSpPr/>
+        <p:nvPr/>
+      </p:nvGrpSpPr>
+      <p:grpSpPr>
+        <a:xfrm>
+          <a:off x="0" y="0"/>
+          <a:ext cx="0" cy="0"/>
+          <a:chOff x="0" y="0"/>
+          <a:chExt cx="0" cy="0"/>
+        </a:xfrm>
+      </p:grpSpPr>
+      <p:sp>
+        <p:nvSpPr>
+          <p:cNvPr id="6" name="矩形 5">
+            <a:extLst>
+              <a:ext uri="{FF2B5EF4-FFF2-40B4-BE49-F238E27FC236}">
+                <a16:creationId xmlns:a16="http://schemas.microsoft.com/office/drawing/2014/main" id="{F3C884B1-4D87-4CCB-973B-0A4E1846FC69}"/>
+              </a:ext>
+            </a:extLst>
+          </p:cNvPr>
+          <p:cNvSpPr/>
+          <p:nvPr/>
+        </p:nvSpPr>
+        <p:spPr>
+          <a:xfrm>
+            <a:off x="898578" y="885767"/>
+            <a:ext cx="4801684" cy="441871"/>
+          </a:xfrm>
+          <a:prstGeom prst="rect">
+            <a:avLst/>
+          </a:prstGeom>
+          <a:noFill/>
+          <a:ln>
+            <a:solidFill>
+              <a:schemeClr val="tx1"/>
+            </a:solidFill>
+          </a:ln>
+        </p:spPr>
+        <p:style>
+          <a:lnRef idx="2">
+            <a:schemeClr val="accent1">
+              <a:shade val="50000"/>
+            </a:schemeClr>
+          </a:lnRef>
+          <a:fillRef idx="1">
+            <a:schemeClr val="accent1"/>
+          </a:fillRef>
+          <a:effectRef idx="0">
+            <a:schemeClr val="accent1"/>
+          </a:effectRef>
+          <a:fontRef idx="minor">
+            <a:schemeClr val="lt1"/>
+          </a:fontRef>
+        </p:style>
+        <p:txBody>
+          <a:bodyPr rtlCol="0" anchor="ctr"/>
+          <a:lstStyle/>
+          <a:p>
+            <a:pPr algn="ctr"/>
+            <a:r>
+              <a:rPr lang="en-US" altLang="zh-CN" sz="1400" dirty="0">
+                <a:solidFill>
+                  <a:srgbClr val="000000"/>
+                </a:solidFill>
+                <a:latin typeface="Consolas" panose="020B0609020204030204" pitchFamily="49" charset="0"/>
+              </a:rPr>
+              <a:t>UffPoolPluginV2Creator::</a:t>
+            </a:r>
+            <a:r>
+              <a:rPr lang="en-US" altLang="zh-CN" sz="1400" dirty="0" err="1">
+                <a:solidFill>
+                  <a:srgbClr val="000000"/>
+                </a:solidFill>
+                <a:latin typeface="Consolas" panose="020B0609020204030204" pitchFamily="49" charset="0"/>
+              </a:rPr>
+              <a:t>getPluginName</a:t>
+            </a:r>
+            <a:r>
+              <a:rPr lang="en-US" altLang="zh-CN" sz="1400" dirty="0">
+                <a:solidFill>
+                  <a:srgbClr val="000000"/>
+                </a:solidFill>
+                <a:latin typeface="Consolas" panose="020B0609020204030204" pitchFamily="49" charset="0"/>
+              </a:rPr>
+              <a:t>()</a:t>
+            </a:r>
+          </a:p>
+        </p:txBody>
+      </p:sp>
+      <p:sp>
+        <p:nvSpPr>
+          <p:cNvPr id="7" name="矩形 6">
+            <a:extLst>
+              <a:ext uri="{FF2B5EF4-FFF2-40B4-BE49-F238E27FC236}">
+                <a16:creationId xmlns:a16="http://schemas.microsoft.com/office/drawing/2014/main" id="{B71410C0-CCB3-4AF3-AFAA-263F81D6E0F6}"/>
+              </a:ext>
+            </a:extLst>
+          </p:cNvPr>
+          <p:cNvSpPr/>
+          <p:nvPr/>
+        </p:nvSpPr>
+        <p:spPr>
+          <a:xfrm>
+            <a:off x="898578" y="1428071"/>
+            <a:ext cx="4801684" cy="441871"/>
+          </a:xfrm>
+          <a:prstGeom prst="rect">
+            <a:avLst/>
+          </a:prstGeom>
+          <a:noFill/>
+          <a:ln>
+            <a:solidFill>
+              <a:schemeClr val="tx1"/>
+            </a:solidFill>
+          </a:ln>
+        </p:spPr>
+        <p:style>
+          <a:lnRef idx="2">
+            <a:schemeClr val="accent1">
+              <a:shade val="50000"/>
+            </a:schemeClr>
+          </a:lnRef>
+          <a:fillRef idx="1">
+            <a:schemeClr val="accent1"/>
+          </a:fillRef>
+          <a:effectRef idx="0">
+            <a:schemeClr val="accent1"/>
+          </a:effectRef>
+          <a:fontRef idx="minor">
+            <a:schemeClr val="lt1"/>
+          </a:fontRef>
+        </p:style>
+        <p:txBody>
+          <a:bodyPr rtlCol="0" anchor="ctr"/>
+          <a:lstStyle/>
+          <a:p>
+            <a:pPr algn="ctr"/>
+            <a:r>
+              <a:rPr lang="en-US" altLang="zh-CN" sz="1400" dirty="0">
+                <a:solidFill>
+                  <a:srgbClr val="000000"/>
+                </a:solidFill>
+                <a:latin typeface="Consolas" panose="020B0609020204030204" pitchFamily="49" charset="0"/>
+              </a:rPr>
+              <a:t>UffPoolPluginV2Creator::</a:t>
+            </a:r>
+            <a:r>
+              <a:rPr lang="en-US" altLang="zh-CN" sz="1400" dirty="0" err="1">
+                <a:solidFill>
+                  <a:srgbClr val="000000"/>
+                </a:solidFill>
+                <a:latin typeface="Consolas" panose="020B0609020204030204" pitchFamily="49" charset="0"/>
+              </a:rPr>
+              <a:t>getFieldNames</a:t>
+            </a:r>
+            <a:r>
+              <a:rPr lang="en-US" altLang="zh-CN" sz="1400" dirty="0">
+                <a:solidFill>
+                  <a:srgbClr val="000000"/>
+                </a:solidFill>
+                <a:latin typeface="Consolas" panose="020B0609020204030204" pitchFamily="49" charset="0"/>
+              </a:rPr>
+              <a:t>()</a:t>
+            </a:r>
+          </a:p>
+        </p:txBody>
+      </p:sp>
+      <p:sp>
+        <p:nvSpPr>
+          <p:cNvPr id="14" name="矩形 13">
+            <a:extLst>
+              <a:ext uri="{FF2B5EF4-FFF2-40B4-BE49-F238E27FC236}">
+                <a16:creationId xmlns:a16="http://schemas.microsoft.com/office/drawing/2014/main" id="{4171C16D-B878-4FDB-AEC8-8C2AD7E8B3B8}"/>
+              </a:ext>
+            </a:extLst>
+          </p:cNvPr>
+          <p:cNvSpPr/>
+          <p:nvPr/>
+        </p:nvSpPr>
+        <p:spPr>
+          <a:xfrm>
+            <a:off x="6595250" y="885767"/>
+            <a:ext cx="4202225" cy="1727432"/>
+          </a:xfrm>
+          <a:prstGeom prst="rect">
+            <a:avLst/>
+          </a:prstGeom>
+          <a:noFill/>
+          <a:ln>
+            <a:solidFill>
+              <a:schemeClr val="tx1"/>
+            </a:solidFill>
+          </a:ln>
+        </p:spPr>
+        <p:style>
+          <a:lnRef idx="2">
+            <a:schemeClr val="accent1">
+              <a:shade val="50000"/>
+            </a:schemeClr>
+          </a:lnRef>
+          <a:fillRef idx="1">
+            <a:schemeClr val="accent1"/>
+          </a:fillRef>
+          <a:effectRef idx="0">
+            <a:schemeClr val="accent1"/>
+          </a:effectRef>
+          <a:fontRef idx="minor">
+            <a:schemeClr val="lt1"/>
+          </a:fontRef>
+        </p:style>
+        <p:txBody>
+          <a:bodyPr rtlCol="0" anchor="ctr"/>
+          <a:lstStyle/>
+          <a:p>
+            <a:pPr algn="ctr"/>
+            <a:r>
+              <a:rPr lang="en-US" altLang="zh-CN" sz="1400" dirty="0">
+                <a:solidFill>
+                  <a:srgbClr val="000000"/>
+                </a:solidFill>
+                <a:latin typeface="Consolas" panose="020B0609020204030204" pitchFamily="49" charset="0"/>
+              </a:rPr>
+              <a:t>void </a:t>
+            </a:r>
+            <a:r>
+              <a:rPr lang="en-US" altLang="zh-CN" sz="1400" dirty="0" err="1">
+                <a:solidFill>
+                  <a:srgbClr val="000000"/>
+                </a:solidFill>
+                <a:latin typeface="Consolas" panose="020B0609020204030204" pitchFamily="49" charset="0"/>
+              </a:rPr>
+              <a:t>setPluginNamespace</a:t>
+            </a:r>
+            <a:endParaRPr lang="en-US" altLang="zh-CN" sz="1400" dirty="0">
+              <a:solidFill>
+                <a:srgbClr val="000000"/>
+              </a:solidFill>
+              <a:latin typeface="Consolas" panose="020B0609020204030204" pitchFamily="49" charset="0"/>
+            </a:endParaRPr>
+          </a:p>
+          <a:p>
+            <a:pPr algn="ctr"/>
+            <a:r>
+              <a:rPr lang="en-US" altLang="zh-CN" sz="1400" dirty="0">
+                <a:solidFill>
+                  <a:srgbClr val="000000"/>
+                </a:solidFill>
+                <a:latin typeface="Consolas" panose="020B0609020204030204" pitchFamily="49" charset="0"/>
+              </a:rPr>
+              <a:t>int </a:t>
+            </a:r>
+            <a:r>
+              <a:rPr lang="en-US" altLang="zh-CN" sz="1400" dirty="0" err="1">
+                <a:solidFill>
+                  <a:srgbClr val="000000"/>
+                </a:solidFill>
+                <a:latin typeface="Consolas" panose="020B0609020204030204" pitchFamily="49" charset="0"/>
+              </a:rPr>
+              <a:t>getNbOutputs</a:t>
+            </a:r>
+            <a:r>
+              <a:rPr lang="en-US" altLang="zh-CN" sz="1400" dirty="0">
+                <a:solidFill>
+                  <a:srgbClr val="000000"/>
+                </a:solidFill>
+                <a:latin typeface="Consolas" panose="020B0609020204030204" pitchFamily="49" charset="0"/>
+              </a:rPr>
+              <a:t>()</a:t>
+            </a:r>
+          </a:p>
+          <a:p>
+            <a:pPr algn="ctr"/>
+            <a:r>
+              <a:rPr lang="en-US" altLang="zh-CN" sz="1400" dirty="0" err="1">
+                <a:solidFill>
+                  <a:srgbClr val="000000"/>
+                </a:solidFill>
+                <a:latin typeface="Consolas" panose="020B0609020204030204" pitchFamily="49" charset="0"/>
+              </a:rPr>
+              <a:t>DataType</a:t>
+            </a:r>
+            <a:r>
+              <a:rPr lang="en-US" altLang="zh-CN" sz="1400" dirty="0">
+                <a:solidFill>
+                  <a:srgbClr val="000000"/>
+                </a:solidFill>
+                <a:latin typeface="Consolas" panose="020B0609020204030204" pitchFamily="49" charset="0"/>
+              </a:rPr>
+              <a:t> </a:t>
+            </a:r>
+            <a:r>
+              <a:rPr lang="en-US" altLang="zh-CN" sz="1400" dirty="0" err="1">
+                <a:solidFill>
+                  <a:srgbClr val="000000"/>
+                </a:solidFill>
+                <a:latin typeface="Consolas" panose="020B0609020204030204" pitchFamily="49" charset="0"/>
+              </a:rPr>
+              <a:t>getOutputDataType</a:t>
+            </a:r>
+            <a:r>
+              <a:rPr lang="en-US" altLang="zh-CN" sz="1400" dirty="0">
+                <a:solidFill>
+                  <a:srgbClr val="000000"/>
+                </a:solidFill>
+                <a:latin typeface="Consolas" panose="020B0609020204030204" pitchFamily="49" charset="0"/>
+              </a:rPr>
+              <a:t>(int index)</a:t>
+            </a:r>
+          </a:p>
+          <a:p>
+            <a:pPr algn="ctr"/>
+            <a:r>
+              <a:rPr lang="en-US" altLang="zh-CN" sz="1400" dirty="0">
+                <a:solidFill>
+                  <a:srgbClr val="000000"/>
+                </a:solidFill>
+                <a:latin typeface="Consolas" panose="020B0609020204030204" pitchFamily="49" charset="0"/>
+              </a:rPr>
+              <a:t>IPluginV2Ext* clone()</a:t>
+            </a:r>
+          </a:p>
+          <a:p>
+            <a:pPr algn="ctr"/>
+            <a:r>
+              <a:rPr lang="en-US" altLang="zh-CN" sz="1400" dirty="0">
+                <a:solidFill>
+                  <a:srgbClr val="000000"/>
+                </a:solidFill>
+                <a:latin typeface="Consolas" panose="020B0609020204030204" pitchFamily="49" charset="0"/>
+              </a:rPr>
+              <a:t>Dims </a:t>
+            </a:r>
+            <a:r>
+              <a:rPr lang="en-US" altLang="zh-CN" sz="1400" dirty="0" err="1">
+                <a:solidFill>
+                  <a:srgbClr val="000000"/>
+                </a:solidFill>
+                <a:latin typeface="Consolas" panose="020B0609020204030204" pitchFamily="49" charset="0"/>
+              </a:rPr>
+              <a:t>getOutputDimensions</a:t>
+            </a:r>
+            <a:r>
+              <a:rPr lang="en-US" altLang="zh-CN" sz="1400" dirty="0">
+                <a:solidFill>
+                  <a:srgbClr val="000000"/>
+                </a:solidFill>
+                <a:latin typeface="Consolas" panose="020B0609020204030204" pitchFamily="49" charset="0"/>
+              </a:rPr>
+              <a:t>()</a:t>
+            </a:r>
+          </a:p>
+          <a:p>
+            <a:pPr algn="ctr"/>
+            <a:r>
+              <a:rPr lang="en-US" altLang="zh-CN" sz="1400" dirty="0">
+                <a:solidFill>
+                  <a:srgbClr val="000000"/>
+                </a:solidFill>
+                <a:latin typeface="Consolas" panose="020B0609020204030204" pitchFamily="49" charset="0"/>
+              </a:rPr>
+              <a:t>bool </a:t>
+            </a:r>
+            <a:r>
+              <a:rPr lang="en-US" altLang="zh-CN" sz="1400" dirty="0" err="1">
+                <a:solidFill>
+                  <a:srgbClr val="000000"/>
+                </a:solidFill>
+                <a:latin typeface="Consolas" panose="020B0609020204030204" pitchFamily="49" charset="0"/>
+              </a:rPr>
+              <a:t>supportsFormatCombination</a:t>
+            </a:r>
+            <a:r>
+              <a:rPr lang="en-US" altLang="zh-CN" sz="1400" dirty="0">
+                <a:solidFill>
+                  <a:srgbClr val="000000"/>
+                </a:solidFill>
+                <a:latin typeface="Consolas" panose="020B0609020204030204" pitchFamily="49" charset="0"/>
+              </a:rPr>
+              <a:t>(int pos)</a:t>
+            </a:r>
+          </a:p>
+        </p:txBody>
+      </p:sp>
+      <p:sp>
+        <p:nvSpPr>
+          <p:cNvPr id="17" name="矩形 16">
+            <a:extLst>
+              <a:ext uri="{FF2B5EF4-FFF2-40B4-BE49-F238E27FC236}">
+                <a16:creationId xmlns:a16="http://schemas.microsoft.com/office/drawing/2014/main" id="{C6467ED2-5DBE-4210-B300-8F80C8181A5C}"/>
+              </a:ext>
+            </a:extLst>
+          </p:cNvPr>
+          <p:cNvSpPr/>
+          <p:nvPr/>
+        </p:nvSpPr>
+        <p:spPr>
+          <a:xfrm>
+            <a:off x="491157" y="5001017"/>
+            <a:ext cx="5616522" cy="441871"/>
+          </a:xfrm>
+          <a:prstGeom prst="rect">
+            <a:avLst/>
+          </a:prstGeom>
+          <a:noFill/>
+          <a:ln>
+            <a:solidFill>
+              <a:schemeClr val="tx1"/>
+            </a:solidFill>
+          </a:ln>
+        </p:spPr>
+        <p:style>
+          <a:lnRef idx="2">
+            <a:schemeClr val="accent1">
+              <a:shade val="50000"/>
+            </a:schemeClr>
+          </a:lnRef>
+          <a:fillRef idx="1">
+            <a:schemeClr val="accent1"/>
+          </a:fillRef>
+          <a:effectRef idx="0">
+            <a:schemeClr val="accent1"/>
+          </a:effectRef>
+          <a:fontRef idx="minor">
+            <a:schemeClr val="lt1"/>
+          </a:fontRef>
+        </p:style>
+        <p:txBody>
+          <a:bodyPr rtlCol="0" anchor="ctr"/>
+          <a:lstStyle/>
+          <a:p>
+            <a:pPr algn="ctr"/>
+            <a:r>
+              <a:rPr lang="en-US" altLang="zh-CN" sz="1400" dirty="0">
+                <a:solidFill>
+                  <a:srgbClr val="0000FF"/>
+                </a:solidFill>
+                <a:latin typeface="Consolas" panose="020B0609020204030204" pitchFamily="49" charset="0"/>
+              </a:rPr>
+              <a:t>auto</a:t>
+            </a:r>
+            <a:r>
+              <a:rPr lang="en-US" altLang="zh-CN" sz="1400" dirty="0">
+                <a:solidFill>
+                  <a:srgbClr val="000000"/>
+                </a:solidFill>
+                <a:latin typeface="Consolas" panose="020B0609020204030204" pitchFamily="49" charset="0"/>
+              </a:rPr>
+              <a:t> </a:t>
+            </a:r>
+            <a:r>
+              <a:rPr lang="en-US" altLang="zh-CN" sz="1400" dirty="0">
+                <a:solidFill>
+                  <a:srgbClr val="001080"/>
+                </a:solidFill>
+                <a:latin typeface="Consolas" panose="020B0609020204030204" pitchFamily="49" charset="0"/>
+              </a:rPr>
+              <a:t>engine</a:t>
+            </a:r>
+            <a:r>
+              <a:rPr lang="en-US" altLang="zh-CN" sz="1400" dirty="0">
+                <a:solidFill>
+                  <a:srgbClr val="000000"/>
+                </a:solidFill>
+                <a:latin typeface="Consolas" panose="020B0609020204030204" pitchFamily="49" charset="0"/>
+              </a:rPr>
+              <a:t> = </a:t>
+            </a:r>
+            <a:r>
+              <a:rPr lang="en-US" altLang="zh-CN" sz="1400" dirty="0">
+                <a:solidFill>
+                  <a:srgbClr val="795E26"/>
+                </a:solidFill>
+                <a:latin typeface="Consolas" panose="020B0609020204030204" pitchFamily="49" charset="0"/>
+              </a:rPr>
+              <a:t> </a:t>
+            </a:r>
+            <a:r>
+              <a:rPr lang="en-US" altLang="zh-CN" sz="1400" dirty="0" err="1">
+                <a:solidFill>
+                  <a:srgbClr val="795E26"/>
+                </a:solidFill>
+                <a:latin typeface="Consolas" panose="020B0609020204030204" pitchFamily="49" charset="0"/>
+              </a:rPr>
+              <a:t>buildEngineWithConfig</a:t>
+            </a:r>
+            <a:r>
+              <a:rPr lang="en-US" altLang="zh-CN" sz="1400" dirty="0">
+                <a:solidFill>
+                  <a:srgbClr val="000000"/>
+                </a:solidFill>
+                <a:latin typeface="Consolas" panose="020B0609020204030204" pitchFamily="49" charset="0"/>
+              </a:rPr>
+              <a:t>(*</a:t>
+            </a:r>
+            <a:r>
+              <a:rPr lang="en-US" altLang="zh-CN" sz="1400" dirty="0">
+                <a:solidFill>
+                  <a:srgbClr val="001080"/>
+                </a:solidFill>
+                <a:latin typeface="Consolas" panose="020B0609020204030204" pitchFamily="49" charset="0"/>
+              </a:rPr>
+              <a:t>network</a:t>
+            </a:r>
+            <a:r>
+              <a:rPr lang="en-US" altLang="zh-CN" sz="1400" dirty="0">
+                <a:solidFill>
+                  <a:srgbClr val="000000"/>
+                </a:solidFill>
+                <a:latin typeface="Consolas" panose="020B0609020204030204" pitchFamily="49" charset="0"/>
+              </a:rPr>
+              <a:t>, *</a:t>
+            </a:r>
+            <a:r>
+              <a:rPr lang="en-US" altLang="zh-CN" sz="1400" dirty="0">
+                <a:solidFill>
+                  <a:srgbClr val="001080"/>
+                </a:solidFill>
+                <a:latin typeface="Consolas" panose="020B0609020204030204" pitchFamily="49" charset="0"/>
+              </a:rPr>
+              <a:t>config</a:t>
+            </a:r>
+            <a:r>
+              <a:rPr lang="en-US" altLang="zh-CN" sz="1400" dirty="0">
+                <a:solidFill>
+                  <a:srgbClr val="000000"/>
+                </a:solidFill>
+                <a:latin typeface="Consolas" panose="020B0609020204030204" pitchFamily="49" charset="0"/>
+              </a:rPr>
+              <a:t>)</a:t>
+            </a:r>
+            <a:endParaRPr lang="zh-CN" altLang="en-US" sz="1400" dirty="0"/>
+          </a:p>
+        </p:txBody>
+      </p:sp>
+      <p:cxnSp>
+        <p:nvCxnSpPr>
+          <p:cNvPr id="29" name="直接箭头连接符 28">
+            <a:extLst>
+              <a:ext uri="{FF2B5EF4-FFF2-40B4-BE49-F238E27FC236}">
+                <a16:creationId xmlns:a16="http://schemas.microsoft.com/office/drawing/2014/main" id="{C8FD8F0D-39A1-49BA-83A2-CF6B6903CFFA}"/>
+              </a:ext>
+            </a:extLst>
+          </p:cNvPr>
+          <p:cNvCxnSpPr>
+            <a:cxnSpLocks/>
+            <a:stCxn id="6" idx="2"/>
+            <a:endCxn id="7" idx="0"/>
+          </p:cNvCxnSpPr>
+          <p:nvPr/>
+        </p:nvCxnSpPr>
+        <p:spPr>
+          <a:xfrm>
+            <a:off x="3299420" y="1327638"/>
+            <a:ext cx="0" cy="100433"/>
+          </a:xfrm>
+          <a:prstGeom prst="straightConnector1">
+            <a:avLst/>
+          </a:prstGeom>
+          <a:ln>
+            <a:tailEnd type="triangle"/>
+          </a:ln>
+        </p:spPr>
+        <p:style>
+          <a:lnRef idx="3">
+            <a:schemeClr val="dk1"/>
+          </a:lnRef>
+          <a:fillRef idx="0">
+            <a:schemeClr val="dk1"/>
+          </a:fillRef>
+          <a:effectRef idx="2">
+            <a:schemeClr val="dk1"/>
+          </a:effectRef>
+          <a:fontRef idx="minor">
+            <a:schemeClr val="tx1"/>
+          </a:fontRef>
+        </p:style>
+      </p:cxnSp>
+      <p:cxnSp>
+        <p:nvCxnSpPr>
+          <p:cNvPr id="31" name="直接箭头连接符 30">
+            <a:extLst>
+              <a:ext uri="{FF2B5EF4-FFF2-40B4-BE49-F238E27FC236}">
+                <a16:creationId xmlns:a16="http://schemas.microsoft.com/office/drawing/2014/main" id="{E77D93F1-4298-4CBF-8F27-16AFCBA8FE09}"/>
+              </a:ext>
+            </a:extLst>
+          </p:cNvPr>
+          <p:cNvCxnSpPr>
+            <a:cxnSpLocks/>
+            <a:stCxn id="57" idx="1"/>
+            <a:endCxn id="47" idx="3"/>
+          </p:cNvCxnSpPr>
+          <p:nvPr/>
+        </p:nvCxnSpPr>
+        <p:spPr>
+          <a:xfrm flipH="1">
+            <a:off x="6101839" y="6049957"/>
+            <a:ext cx="493411" cy="61412"/>
+          </a:xfrm>
+          <a:prstGeom prst="straightConnector1">
+            <a:avLst/>
+          </a:prstGeom>
+          <a:ln>
+            <a:tailEnd type="triangle"/>
+          </a:ln>
+        </p:spPr>
+        <p:style>
+          <a:lnRef idx="3">
+            <a:schemeClr val="dk1"/>
+          </a:lnRef>
+          <a:fillRef idx="0">
+            <a:schemeClr val="dk1"/>
+          </a:fillRef>
+          <a:effectRef idx="2">
+            <a:schemeClr val="dk1"/>
+          </a:effectRef>
+          <a:fontRef idx="minor">
+            <a:schemeClr val="tx1"/>
+          </a:fontRef>
+        </p:style>
+      </p:cxnSp>
+      <p:cxnSp>
+        <p:nvCxnSpPr>
+          <p:cNvPr id="33" name="直接箭头连接符 32">
+            <a:extLst>
+              <a:ext uri="{FF2B5EF4-FFF2-40B4-BE49-F238E27FC236}">
+                <a16:creationId xmlns:a16="http://schemas.microsoft.com/office/drawing/2014/main" id="{0F1065AE-2B64-4A1C-8273-6AA8744EC5A9}"/>
+              </a:ext>
+            </a:extLst>
+          </p:cNvPr>
+          <p:cNvCxnSpPr>
+            <a:cxnSpLocks/>
+            <a:stCxn id="17" idx="2"/>
+            <a:endCxn id="47" idx="0"/>
+          </p:cNvCxnSpPr>
+          <p:nvPr/>
+        </p:nvCxnSpPr>
+        <p:spPr>
+          <a:xfrm>
+            <a:off x="3299418" y="5442888"/>
+            <a:ext cx="0" cy="386133"/>
+          </a:xfrm>
+          <a:prstGeom prst="straightConnector1">
+            <a:avLst/>
+          </a:prstGeom>
+          <a:ln>
+            <a:tailEnd type="triangle"/>
+          </a:ln>
+        </p:spPr>
+        <p:style>
+          <a:lnRef idx="3">
+            <a:schemeClr val="dk1"/>
+          </a:lnRef>
+          <a:fillRef idx="0">
+            <a:schemeClr val="dk1"/>
+          </a:fillRef>
+          <a:effectRef idx="2">
+            <a:schemeClr val="dk1"/>
+          </a:effectRef>
+          <a:fontRef idx="minor">
+            <a:schemeClr val="tx1"/>
+          </a:fontRef>
+        </p:style>
+      </p:cxnSp>
+      <p:sp>
+        <p:nvSpPr>
+          <p:cNvPr id="47" name="矩形 46">
+            <a:extLst>
+              <a:ext uri="{FF2B5EF4-FFF2-40B4-BE49-F238E27FC236}">
+                <a16:creationId xmlns:a16="http://schemas.microsoft.com/office/drawing/2014/main" id="{0D7A4A60-D77D-4F1D-974D-9FAF1D5C90F3}"/>
+              </a:ext>
+            </a:extLst>
+          </p:cNvPr>
+          <p:cNvSpPr/>
+          <p:nvPr/>
+        </p:nvSpPr>
+        <p:spPr>
+          <a:xfrm>
+            <a:off x="496996" y="5829021"/>
+            <a:ext cx="5604843" cy="564695"/>
+          </a:xfrm>
+          <a:prstGeom prst="rect">
+            <a:avLst/>
+          </a:prstGeom>
+          <a:noFill/>
+          <a:ln>
+            <a:solidFill>
+              <a:schemeClr val="tx1"/>
+            </a:solidFill>
+          </a:ln>
+        </p:spPr>
+        <p:style>
+          <a:lnRef idx="2">
+            <a:schemeClr val="accent1">
+              <a:shade val="50000"/>
+            </a:schemeClr>
+          </a:lnRef>
+          <a:fillRef idx="1">
+            <a:schemeClr val="accent1"/>
+          </a:fillRef>
+          <a:effectRef idx="0">
+            <a:schemeClr val="accent1"/>
+          </a:effectRef>
+          <a:fontRef idx="minor">
+            <a:schemeClr val="lt1"/>
+          </a:fontRef>
+        </p:style>
+        <p:txBody>
+          <a:bodyPr rtlCol="0" anchor="ctr"/>
+          <a:lstStyle/>
+          <a:p>
+            <a:pPr algn="ctr"/>
+            <a:r>
+              <a:rPr lang="en-US" altLang="zh-CN" sz="1400" dirty="0">
+                <a:solidFill>
+                  <a:srgbClr val="0000FF"/>
+                </a:solidFill>
+                <a:latin typeface="Consolas" panose="020B0609020204030204" pitchFamily="49" charset="0"/>
+              </a:rPr>
+              <a:t>auto</a:t>
+            </a:r>
+            <a:r>
+              <a:rPr lang="en-US" altLang="zh-CN" sz="1400" dirty="0">
+                <a:solidFill>
+                  <a:srgbClr val="000000"/>
+                </a:solidFill>
+                <a:latin typeface="Consolas" panose="020B0609020204030204" pitchFamily="49" charset="0"/>
+              </a:rPr>
+              <a:t> </a:t>
+            </a:r>
+            <a:r>
+              <a:rPr lang="en-US" altLang="zh-CN" sz="1400" dirty="0">
+                <a:solidFill>
+                  <a:srgbClr val="001080"/>
+                </a:solidFill>
+                <a:latin typeface="Consolas" panose="020B0609020204030204" pitchFamily="49" charset="0"/>
+              </a:rPr>
+              <a:t>context</a:t>
+            </a:r>
+            <a:r>
+              <a:rPr lang="en-US" altLang="zh-CN" sz="1400" dirty="0">
+                <a:solidFill>
+                  <a:srgbClr val="000000"/>
+                </a:solidFill>
+                <a:latin typeface="Consolas" panose="020B0609020204030204" pitchFamily="49" charset="0"/>
+              </a:rPr>
+              <a:t> = </a:t>
+            </a:r>
+            <a:r>
+              <a:rPr lang="en-US" altLang="zh-CN" sz="1400" dirty="0">
+                <a:solidFill>
+                  <a:srgbClr val="001080"/>
+                </a:solidFill>
+                <a:latin typeface="Consolas" panose="020B0609020204030204" pitchFamily="49" charset="0"/>
+              </a:rPr>
+              <a:t>engine</a:t>
+            </a:r>
+            <a:r>
+              <a:rPr lang="en-US" altLang="zh-CN" sz="1400" dirty="0">
+                <a:solidFill>
+                  <a:srgbClr val="000000"/>
+                </a:solidFill>
+                <a:latin typeface="Consolas" panose="020B0609020204030204" pitchFamily="49" charset="0"/>
+              </a:rPr>
+              <a:t>-&gt;</a:t>
+            </a:r>
+            <a:r>
+              <a:rPr lang="en-US" altLang="zh-CN" sz="1400" dirty="0" err="1">
+                <a:solidFill>
+                  <a:srgbClr val="795E26"/>
+                </a:solidFill>
+                <a:latin typeface="Consolas" panose="020B0609020204030204" pitchFamily="49" charset="0"/>
+              </a:rPr>
+              <a:t>createExecutionContext</a:t>
+            </a:r>
+            <a:r>
+              <a:rPr lang="en-US" altLang="zh-CN" sz="1400" dirty="0">
+                <a:solidFill>
+                  <a:srgbClr val="000000"/>
+                </a:solidFill>
+                <a:latin typeface="Consolas" panose="020B0609020204030204" pitchFamily="49" charset="0"/>
+              </a:rPr>
+              <a:t>();</a:t>
+            </a:r>
+          </a:p>
+          <a:p>
+            <a:pPr algn="ctr"/>
+            <a:r>
+              <a:rPr lang="en-US" altLang="zh-CN" sz="1400" dirty="0">
+                <a:solidFill>
+                  <a:srgbClr val="0000FF"/>
+                </a:solidFill>
+                <a:latin typeface="Consolas" panose="020B0609020204030204" pitchFamily="49" charset="0"/>
+              </a:rPr>
+              <a:t>bool</a:t>
+            </a:r>
+            <a:r>
+              <a:rPr lang="en-US" altLang="zh-CN" sz="1400" dirty="0">
+                <a:solidFill>
+                  <a:srgbClr val="000000"/>
+                </a:solidFill>
+                <a:latin typeface="Consolas" panose="020B0609020204030204" pitchFamily="49" charset="0"/>
+              </a:rPr>
+              <a:t> </a:t>
+            </a:r>
+            <a:r>
+              <a:rPr lang="en-US" altLang="zh-CN" sz="1400" dirty="0">
+                <a:solidFill>
+                  <a:srgbClr val="001080"/>
+                </a:solidFill>
+                <a:latin typeface="Consolas" panose="020B0609020204030204" pitchFamily="49" charset="0"/>
+              </a:rPr>
+              <a:t>status</a:t>
+            </a:r>
+            <a:r>
+              <a:rPr lang="en-US" altLang="zh-CN" sz="1400" dirty="0">
+                <a:solidFill>
+                  <a:srgbClr val="000000"/>
+                </a:solidFill>
+                <a:latin typeface="Consolas" panose="020B0609020204030204" pitchFamily="49" charset="0"/>
+              </a:rPr>
+              <a:t> = </a:t>
+            </a:r>
+            <a:r>
+              <a:rPr lang="en-US" altLang="zh-CN" sz="1400" dirty="0">
+                <a:solidFill>
+                  <a:srgbClr val="001080"/>
+                </a:solidFill>
+                <a:latin typeface="Consolas" panose="020B0609020204030204" pitchFamily="49" charset="0"/>
+              </a:rPr>
+              <a:t>context</a:t>
+            </a:r>
+            <a:r>
+              <a:rPr lang="en-US" altLang="zh-CN" sz="1400" dirty="0">
+                <a:solidFill>
+                  <a:srgbClr val="000000"/>
+                </a:solidFill>
+                <a:latin typeface="Consolas" panose="020B0609020204030204" pitchFamily="49" charset="0"/>
+              </a:rPr>
+              <a:t>-&gt;</a:t>
+            </a:r>
+            <a:r>
+              <a:rPr lang="en-US" altLang="zh-CN" sz="1400" dirty="0">
+                <a:solidFill>
+                  <a:srgbClr val="795E26"/>
+                </a:solidFill>
+                <a:latin typeface="Consolas" panose="020B0609020204030204" pitchFamily="49" charset="0"/>
+              </a:rPr>
+              <a:t>execute</a:t>
+            </a:r>
+            <a:r>
+              <a:rPr lang="en-US" altLang="zh-CN" sz="1400" dirty="0">
+                <a:solidFill>
+                  <a:srgbClr val="000000"/>
+                </a:solidFill>
+                <a:latin typeface="Consolas" panose="020B0609020204030204" pitchFamily="49" charset="0"/>
+              </a:rPr>
+              <a:t>(</a:t>
+            </a:r>
+            <a:r>
+              <a:rPr lang="en-US" altLang="zh-CN" sz="1400" dirty="0" err="1">
+                <a:solidFill>
+                  <a:srgbClr val="001080"/>
+                </a:solidFill>
+                <a:latin typeface="Consolas" panose="020B0609020204030204" pitchFamily="49" charset="0"/>
+              </a:rPr>
+              <a:t>batchSize</a:t>
+            </a:r>
+            <a:r>
+              <a:rPr lang="en-US" altLang="zh-CN" sz="1400" dirty="0">
+                <a:solidFill>
+                  <a:srgbClr val="000000"/>
+                </a:solidFill>
+                <a:latin typeface="Consolas" panose="020B0609020204030204" pitchFamily="49" charset="0"/>
+              </a:rPr>
+              <a:t>, </a:t>
+            </a:r>
+            <a:r>
+              <a:rPr lang="en-US" altLang="zh-CN" sz="1400" dirty="0">
+                <a:solidFill>
+                  <a:srgbClr val="001080"/>
+                </a:solidFill>
+                <a:latin typeface="Consolas" panose="020B0609020204030204" pitchFamily="49" charset="0"/>
+              </a:rPr>
+              <a:t>buffers</a:t>
+            </a:r>
+            <a:r>
+              <a:rPr lang="en-US" altLang="zh-CN" sz="1400" dirty="0">
+                <a:solidFill>
+                  <a:srgbClr val="000000"/>
+                </a:solidFill>
+                <a:latin typeface="Consolas" panose="020B0609020204030204" pitchFamily="49" charset="0"/>
+              </a:rPr>
+              <a:t>);</a:t>
+            </a:r>
+          </a:p>
+        </p:txBody>
+      </p:sp>
+      <p:sp>
+        <p:nvSpPr>
+          <p:cNvPr id="56" name="矩形 55">
+            <a:extLst>
+              <a:ext uri="{FF2B5EF4-FFF2-40B4-BE49-F238E27FC236}">
+                <a16:creationId xmlns:a16="http://schemas.microsoft.com/office/drawing/2014/main" id="{CBAD9C49-3F64-43CB-945C-EF199D04B592}"/>
+              </a:ext>
+            </a:extLst>
+          </p:cNvPr>
+          <p:cNvSpPr/>
+          <p:nvPr/>
+        </p:nvSpPr>
+        <p:spPr>
+          <a:xfrm>
+            <a:off x="6815041" y="5194083"/>
+            <a:ext cx="4447556" cy="441871"/>
+          </a:xfrm>
+          <a:prstGeom prst="rect">
+            <a:avLst/>
+          </a:prstGeom>
+          <a:noFill/>
+          <a:ln>
+            <a:solidFill>
+              <a:schemeClr val="tx1"/>
+            </a:solidFill>
+          </a:ln>
+        </p:spPr>
+        <p:style>
+          <a:lnRef idx="2">
+            <a:schemeClr val="accent1">
+              <a:shade val="50000"/>
+            </a:schemeClr>
+          </a:lnRef>
+          <a:fillRef idx="1">
+            <a:schemeClr val="accent1"/>
+          </a:fillRef>
+          <a:effectRef idx="0">
+            <a:schemeClr val="accent1"/>
+          </a:effectRef>
+          <a:fontRef idx="minor">
+            <a:schemeClr val="lt1"/>
+          </a:fontRef>
+        </p:style>
+        <p:txBody>
+          <a:bodyPr rtlCol="0" anchor="ctr"/>
+          <a:lstStyle/>
+          <a:p>
+            <a:pPr algn="ctr"/>
+            <a:r>
+              <a:rPr lang="en-US" altLang="zh-CN" sz="1400" dirty="0">
+                <a:solidFill>
+                  <a:srgbClr val="0000FF"/>
+                </a:solidFill>
+                <a:latin typeface="Consolas" panose="020B0609020204030204" pitchFamily="49" charset="0"/>
+              </a:rPr>
+              <a:t>auto</a:t>
+            </a:r>
+            <a:r>
+              <a:rPr lang="en-US" altLang="zh-CN" sz="1400" dirty="0">
+                <a:solidFill>
+                  <a:srgbClr val="000000"/>
+                </a:solidFill>
+                <a:latin typeface="Consolas" panose="020B0609020204030204" pitchFamily="49" charset="0"/>
+              </a:rPr>
+              <a:t> </a:t>
+            </a:r>
+            <a:r>
+              <a:rPr lang="en-US" altLang="zh-CN" sz="1400" dirty="0">
+                <a:solidFill>
+                  <a:srgbClr val="001080"/>
+                </a:solidFill>
+                <a:latin typeface="Consolas" panose="020B0609020204030204" pitchFamily="49" charset="0"/>
+              </a:rPr>
+              <a:t>memory</a:t>
+            </a:r>
+            <a:r>
+              <a:rPr lang="en-US" altLang="zh-CN" sz="1400" dirty="0">
+                <a:solidFill>
+                  <a:srgbClr val="000000"/>
+                </a:solidFill>
+                <a:latin typeface="Consolas" panose="020B0609020204030204" pitchFamily="49" charset="0"/>
+              </a:rPr>
+              <a:t> = </a:t>
+            </a:r>
+            <a:r>
+              <a:rPr lang="en-US" altLang="zh-CN" sz="1400" dirty="0">
+                <a:solidFill>
+                  <a:srgbClr val="795E26"/>
+                </a:solidFill>
+                <a:latin typeface="Consolas" panose="020B0609020204030204" pitchFamily="49" charset="0"/>
+              </a:rPr>
+              <a:t> engine-&gt;serialize()</a:t>
+            </a:r>
+            <a:endParaRPr lang="zh-CN" altLang="en-US" sz="1400" dirty="0"/>
+          </a:p>
+        </p:txBody>
+      </p:sp>
+      <p:sp>
+        <p:nvSpPr>
+          <p:cNvPr id="57" name="矩形 56">
+            <a:extLst>
+              <a:ext uri="{FF2B5EF4-FFF2-40B4-BE49-F238E27FC236}">
+                <a16:creationId xmlns:a16="http://schemas.microsoft.com/office/drawing/2014/main" id="{714BCB2E-6474-4ABE-B384-0C2EC70D85C5}"/>
+              </a:ext>
+            </a:extLst>
+          </p:cNvPr>
+          <p:cNvSpPr/>
+          <p:nvPr/>
+        </p:nvSpPr>
+        <p:spPr>
+          <a:xfrm>
+            <a:off x="6595250" y="5829021"/>
+            <a:ext cx="4887138" cy="441871"/>
+          </a:xfrm>
+          <a:prstGeom prst="rect">
+            <a:avLst/>
+          </a:prstGeom>
+          <a:noFill/>
+          <a:ln>
+            <a:solidFill>
+              <a:schemeClr val="tx1"/>
+            </a:solidFill>
+          </a:ln>
+        </p:spPr>
+        <p:style>
+          <a:lnRef idx="2">
+            <a:schemeClr val="accent1">
+              <a:shade val="50000"/>
+            </a:schemeClr>
+          </a:lnRef>
+          <a:fillRef idx="1">
+            <a:schemeClr val="accent1"/>
+          </a:fillRef>
+          <a:effectRef idx="0">
+            <a:schemeClr val="accent1"/>
+          </a:effectRef>
+          <a:fontRef idx="minor">
+            <a:schemeClr val="lt1"/>
+          </a:fontRef>
+        </p:style>
+        <p:txBody>
+          <a:bodyPr rtlCol="0" anchor="ctr"/>
+          <a:lstStyle/>
+          <a:p>
+            <a:pPr algn="ctr"/>
+            <a:r>
+              <a:rPr lang="en-US" altLang="zh-CN" sz="1400" dirty="0">
+                <a:solidFill>
+                  <a:srgbClr val="0000FF"/>
+                </a:solidFill>
+                <a:latin typeface="Consolas" panose="020B0609020204030204" pitchFamily="49" charset="0"/>
+              </a:rPr>
+              <a:t>auto</a:t>
+            </a:r>
+            <a:r>
+              <a:rPr lang="en-US" altLang="zh-CN" sz="1400" dirty="0">
+                <a:solidFill>
+                  <a:srgbClr val="000000"/>
+                </a:solidFill>
+                <a:latin typeface="Consolas" panose="020B0609020204030204" pitchFamily="49" charset="0"/>
+              </a:rPr>
+              <a:t> engine = </a:t>
+            </a:r>
+            <a:r>
+              <a:rPr lang="en-US" altLang="zh-CN" sz="1400" dirty="0" err="1">
+                <a:solidFill>
+                  <a:srgbClr val="795E26"/>
+                </a:solidFill>
+                <a:latin typeface="Consolas" panose="020B0609020204030204" pitchFamily="49" charset="0"/>
+              </a:rPr>
+              <a:t>deserializeCudaEngine</a:t>
+            </a:r>
+            <a:r>
+              <a:rPr lang="en-US" altLang="zh-CN" sz="1400" dirty="0">
+                <a:solidFill>
+                  <a:srgbClr val="000000"/>
+                </a:solidFill>
+                <a:latin typeface="Consolas" panose="020B0609020204030204" pitchFamily="49" charset="0"/>
+              </a:rPr>
+              <a:t>(</a:t>
+            </a:r>
+            <a:r>
+              <a:rPr lang="en-US" altLang="zh-CN" sz="1400" dirty="0">
+                <a:solidFill>
+                  <a:srgbClr val="001080"/>
+                </a:solidFill>
+                <a:latin typeface="Consolas" panose="020B0609020204030204" pitchFamily="49" charset="0"/>
+              </a:rPr>
+              <a:t>blob</a:t>
+            </a:r>
+            <a:r>
+              <a:rPr lang="en-US" altLang="zh-CN" sz="1400" dirty="0">
+                <a:solidFill>
+                  <a:srgbClr val="000000"/>
+                </a:solidFill>
+                <a:latin typeface="Consolas" panose="020B0609020204030204" pitchFamily="49" charset="0"/>
+              </a:rPr>
+              <a:t>, </a:t>
+            </a:r>
+            <a:r>
+              <a:rPr lang="en-US" altLang="zh-CN" sz="1400" dirty="0">
+                <a:solidFill>
+                  <a:srgbClr val="001080"/>
+                </a:solidFill>
+                <a:latin typeface="Consolas" panose="020B0609020204030204" pitchFamily="49" charset="0"/>
+              </a:rPr>
+              <a:t>size</a:t>
+            </a:r>
+            <a:r>
+              <a:rPr lang="en-US" altLang="zh-CN" sz="1400" dirty="0">
+                <a:solidFill>
+                  <a:srgbClr val="000000"/>
+                </a:solidFill>
+                <a:latin typeface="Consolas" panose="020B0609020204030204" pitchFamily="49" charset="0"/>
+              </a:rPr>
+              <a:t>)</a:t>
+            </a:r>
+          </a:p>
+        </p:txBody>
+      </p:sp>
+      <p:cxnSp>
+        <p:nvCxnSpPr>
+          <p:cNvPr id="58" name="直接箭头连接符 57">
+            <a:extLst>
+              <a:ext uri="{FF2B5EF4-FFF2-40B4-BE49-F238E27FC236}">
+                <a16:creationId xmlns:a16="http://schemas.microsoft.com/office/drawing/2014/main" id="{A773161B-05C8-4497-940E-139412F54C67}"/>
+              </a:ext>
+            </a:extLst>
+          </p:cNvPr>
+          <p:cNvCxnSpPr>
+            <a:cxnSpLocks/>
+            <a:stCxn id="17" idx="3"/>
+            <a:endCxn id="56" idx="1"/>
+          </p:cNvCxnSpPr>
+          <p:nvPr/>
+        </p:nvCxnSpPr>
+        <p:spPr>
+          <a:xfrm>
+            <a:off x="6107679" y="5221953"/>
+            <a:ext cx="707362" cy="193066"/>
+          </a:xfrm>
+          <a:prstGeom prst="straightConnector1">
+            <a:avLst/>
+          </a:prstGeom>
+          <a:ln>
+            <a:tailEnd type="triangle"/>
+          </a:ln>
+        </p:spPr>
+        <p:style>
+          <a:lnRef idx="3">
+            <a:schemeClr val="dk1"/>
+          </a:lnRef>
+          <a:fillRef idx="0">
+            <a:schemeClr val="dk1"/>
+          </a:fillRef>
+          <a:effectRef idx="2">
+            <a:schemeClr val="dk1"/>
+          </a:effectRef>
+          <a:fontRef idx="minor">
+            <a:schemeClr val="tx1"/>
+          </a:fontRef>
+        </p:style>
+      </p:cxnSp>
+      <p:cxnSp>
+        <p:nvCxnSpPr>
+          <p:cNvPr id="61" name="直接箭头连接符 60">
+            <a:extLst>
+              <a:ext uri="{FF2B5EF4-FFF2-40B4-BE49-F238E27FC236}">
+                <a16:creationId xmlns:a16="http://schemas.microsoft.com/office/drawing/2014/main" id="{CD7BDAEF-BC18-4E3B-BC71-38429228102A}"/>
+              </a:ext>
+            </a:extLst>
+          </p:cNvPr>
+          <p:cNvCxnSpPr>
+            <a:cxnSpLocks/>
+            <a:stCxn id="56" idx="2"/>
+            <a:endCxn id="57" idx="0"/>
+          </p:cNvCxnSpPr>
+          <p:nvPr/>
+        </p:nvCxnSpPr>
+        <p:spPr>
+          <a:xfrm>
+            <a:off x="9038819" y="5635954"/>
+            <a:ext cx="0" cy="193067"/>
+          </a:xfrm>
+          <a:prstGeom prst="straightConnector1">
+            <a:avLst/>
+          </a:prstGeom>
+          <a:ln>
+            <a:tailEnd type="triangle"/>
+          </a:ln>
+        </p:spPr>
+        <p:style>
+          <a:lnRef idx="3">
+            <a:schemeClr val="dk1"/>
+          </a:lnRef>
+          <a:fillRef idx="0">
+            <a:schemeClr val="dk1"/>
+          </a:fillRef>
+          <a:effectRef idx="2">
+            <a:schemeClr val="dk1"/>
+          </a:effectRef>
+          <a:fontRef idx="minor">
+            <a:schemeClr val="tx1"/>
+          </a:fontRef>
+        </p:style>
+      </p:cxnSp>
+      <p:sp>
+        <p:nvSpPr>
+          <p:cNvPr id="25" name="矩形 24">
+            <a:extLst>
+              <a:ext uri="{FF2B5EF4-FFF2-40B4-BE49-F238E27FC236}">
+                <a16:creationId xmlns:a16="http://schemas.microsoft.com/office/drawing/2014/main" id="{A059AC0B-DA8D-445E-BFA7-7F881FC612CB}"/>
+              </a:ext>
+            </a:extLst>
+          </p:cNvPr>
+          <p:cNvSpPr/>
+          <p:nvPr/>
+        </p:nvSpPr>
+        <p:spPr>
+          <a:xfrm>
+            <a:off x="551818" y="250137"/>
+            <a:ext cx="6096000" cy="369332"/>
+          </a:xfrm>
+          <a:prstGeom prst="rect">
+            <a:avLst/>
+          </a:prstGeom>
+        </p:spPr>
+        <p:txBody>
+          <a:bodyPr>
+            <a:spAutoFit/>
+          </a:bodyPr>
+          <a:lstStyle/>
+          <a:p>
+            <a:r>
+              <a:rPr lang="en-US" altLang="zh-CN" b="1" dirty="0"/>
+              <a:t>2</a:t>
+            </a:r>
+            <a:r>
+              <a:rPr lang="zh-CN" altLang="en-US" b="1" dirty="0"/>
+              <a:t>、</a:t>
+            </a:r>
+            <a:r>
+              <a:rPr lang="en-US" altLang="zh-CN" b="1" dirty="0"/>
+              <a:t>Plugin</a:t>
+            </a:r>
+            <a:endParaRPr lang="zh-CN" altLang="en-US" b="1" dirty="0"/>
+          </a:p>
+        </p:txBody>
+      </p:sp>
+      <p:sp>
+        <p:nvSpPr>
+          <p:cNvPr id="28" name="矩形 27">
+            <a:extLst>
+              <a:ext uri="{FF2B5EF4-FFF2-40B4-BE49-F238E27FC236}">
+                <a16:creationId xmlns:a16="http://schemas.microsoft.com/office/drawing/2014/main" id="{B7CE4241-FF52-4D1F-9E63-99ECD73FC50F}"/>
+              </a:ext>
+            </a:extLst>
+          </p:cNvPr>
+          <p:cNvSpPr/>
+          <p:nvPr/>
+        </p:nvSpPr>
+        <p:spPr>
+          <a:xfrm>
+            <a:off x="898578" y="2084013"/>
+            <a:ext cx="4801684" cy="441871"/>
+          </a:xfrm>
+          <a:prstGeom prst="rect">
+            <a:avLst/>
+          </a:prstGeom>
+          <a:noFill/>
+          <a:ln>
+            <a:solidFill>
+              <a:schemeClr val="tx1"/>
+            </a:solidFill>
+          </a:ln>
+        </p:spPr>
+        <p:style>
+          <a:lnRef idx="2">
+            <a:schemeClr val="accent1">
+              <a:shade val="50000"/>
+            </a:schemeClr>
+          </a:lnRef>
+          <a:fillRef idx="1">
+            <a:schemeClr val="accent1"/>
+          </a:fillRef>
+          <a:effectRef idx="0">
+            <a:schemeClr val="accent1"/>
+          </a:effectRef>
+          <a:fontRef idx="minor">
+            <a:schemeClr val="lt1"/>
+          </a:fontRef>
+        </p:style>
+        <p:txBody>
+          <a:bodyPr rtlCol="0" anchor="ctr"/>
+          <a:lstStyle/>
+          <a:p>
+            <a:pPr algn="ctr"/>
+            <a:r>
+              <a:rPr lang="en-US" altLang="zh-CN" sz="1400" dirty="0">
+                <a:solidFill>
+                  <a:srgbClr val="000000"/>
+                </a:solidFill>
+                <a:latin typeface="Consolas" panose="020B0609020204030204" pitchFamily="49" charset="0"/>
+              </a:rPr>
+              <a:t>UffPoolPluginV2Creator::</a:t>
+            </a:r>
+            <a:r>
+              <a:rPr lang="en-US" altLang="zh-CN" sz="1400" dirty="0" err="1">
+                <a:solidFill>
+                  <a:srgbClr val="000000"/>
+                </a:solidFill>
+                <a:latin typeface="Consolas" panose="020B0609020204030204" pitchFamily="49" charset="0"/>
+              </a:rPr>
+              <a:t>createPlugin</a:t>
+            </a:r>
+            <a:r>
+              <a:rPr lang="en-US" altLang="zh-CN" sz="1400" dirty="0">
+                <a:solidFill>
+                  <a:srgbClr val="000000"/>
+                </a:solidFill>
+                <a:latin typeface="Consolas" panose="020B0609020204030204" pitchFamily="49" charset="0"/>
+              </a:rPr>
+              <a:t>(const char* name)</a:t>
+            </a:r>
+          </a:p>
+        </p:txBody>
+      </p:sp>
+      <p:sp>
+        <p:nvSpPr>
+          <p:cNvPr id="34" name="矩形 33">
+            <a:extLst>
+              <a:ext uri="{FF2B5EF4-FFF2-40B4-BE49-F238E27FC236}">
+                <a16:creationId xmlns:a16="http://schemas.microsoft.com/office/drawing/2014/main" id="{6A72A0D3-3684-46BF-8F93-15279FCF5182}"/>
+              </a:ext>
+            </a:extLst>
+          </p:cNvPr>
+          <p:cNvSpPr/>
+          <p:nvPr/>
+        </p:nvSpPr>
+        <p:spPr>
+          <a:xfrm>
+            <a:off x="898575" y="2729015"/>
+            <a:ext cx="4801684" cy="441871"/>
+          </a:xfrm>
+          <a:prstGeom prst="rect">
+            <a:avLst/>
+          </a:prstGeom>
+          <a:noFill/>
+          <a:ln>
+            <a:solidFill>
+              <a:schemeClr val="tx1"/>
+            </a:solidFill>
+          </a:ln>
+        </p:spPr>
+        <p:style>
+          <a:lnRef idx="2">
+            <a:schemeClr val="accent1">
+              <a:shade val="50000"/>
+            </a:schemeClr>
+          </a:lnRef>
+          <a:fillRef idx="1">
+            <a:schemeClr val="accent1"/>
+          </a:fillRef>
+          <a:effectRef idx="0">
+            <a:schemeClr val="accent1"/>
+          </a:effectRef>
+          <a:fontRef idx="minor">
+            <a:schemeClr val="lt1"/>
+          </a:fontRef>
+        </p:style>
+        <p:txBody>
+          <a:bodyPr rtlCol="0" anchor="ctr"/>
+          <a:lstStyle/>
+          <a:p>
+            <a:pPr algn="ctr"/>
+            <a:r>
+              <a:rPr lang="en-US" altLang="zh-CN" sz="1400" dirty="0">
+                <a:solidFill>
+                  <a:srgbClr val="000000"/>
+                </a:solidFill>
+                <a:latin typeface="Consolas" panose="020B0609020204030204" pitchFamily="49" charset="0"/>
+              </a:rPr>
+              <a:t>UffPoolPluginV2::</a:t>
+            </a:r>
+            <a:r>
+              <a:rPr lang="zh-CN" altLang="en-US" sz="1400" dirty="0">
+                <a:solidFill>
+                  <a:srgbClr val="000000"/>
+                </a:solidFill>
+                <a:latin typeface="Consolas" panose="020B0609020204030204" pitchFamily="49" charset="0"/>
+              </a:rPr>
+              <a:t>构造函数</a:t>
+            </a:r>
+            <a:endParaRPr lang="en-US" altLang="zh-CN" sz="1400" dirty="0">
+              <a:solidFill>
+                <a:srgbClr val="000000"/>
+              </a:solidFill>
+              <a:latin typeface="Consolas" panose="020B0609020204030204" pitchFamily="49" charset="0"/>
+            </a:endParaRPr>
+          </a:p>
+        </p:txBody>
+      </p:sp>
+      <p:sp>
+        <p:nvSpPr>
+          <p:cNvPr id="35" name="矩形 34">
+            <a:extLst>
+              <a:ext uri="{FF2B5EF4-FFF2-40B4-BE49-F238E27FC236}">
+                <a16:creationId xmlns:a16="http://schemas.microsoft.com/office/drawing/2014/main" id="{0040579F-F1CD-4E27-BF14-54E36FCC930A}"/>
+              </a:ext>
+            </a:extLst>
+          </p:cNvPr>
+          <p:cNvSpPr/>
+          <p:nvPr/>
+        </p:nvSpPr>
+        <p:spPr>
+          <a:xfrm>
+            <a:off x="6647818" y="2806266"/>
+            <a:ext cx="4202225" cy="1210842"/>
+          </a:xfrm>
+          <a:prstGeom prst="rect">
+            <a:avLst/>
+          </a:prstGeom>
+          <a:noFill/>
+          <a:ln>
+            <a:solidFill>
+              <a:schemeClr val="tx1"/>
+            </a:solidFill>
+          </a:ln>
+        </p:spPr>
+        <p:style>
+          <a:lnRef idx="2">
+            <a:schemeClr val="accent1">
+              <a:shade val="50000"/>
+            </a:schemeClr>
+          </a:lnRef>
+          <a:fillRef idx="1">
+            <a:schemeClr val="accent1"/>
+          </a:fillRef>
+          <a:effectRef idx="0">
+            <a:schemeClr val="accent1"/>
+          </a:effectRef>
+          <a:fontRef idx="minor">
+            <a:schemeClr val="lt1"/>
+          </a:fontRef>
+        </p:style>
+        <p:txBody>
+          <a:bodyPr rtlCol="0" anchor="ctr"/>
+          <a:lstStyle/>
+          <a:p>
+            <a:pPr algn="ctr"/>
+            <a:r>
+              <a:rPr lang="en-US" altLang="zh-CN" sz="1400" dirty="0">
+                <a:solidFill>
+                  <a:srgbClr val="000000"/>
+                </a:solidFill>
+                <a:latin typeface="Consolas" panose="020B0609020204030204" pitchFamily="49" charset="0"/>
+              </a:rPr>
+              <a:t>void </a:t>
+            </a:r>
+            <a:r>
+              <a:rPr lang="en-US" altLang="zh-CN" sz="1400" dirty="0" err="1">
+                <a:solidFill>
+                  <a:srgbClr val="000000"/>
+                </a:solidFill>
+                <a:latin typeface="Consolas" panose="020B0609020204030204" pitchFamily="49" charset="0"/>
+              </a:rPr>
+              <a:t>configurePlugin</a:t>
+            </a:r>
+            <a:r>
+              <a:rPr lang="en-US" altLang="zh-CN" sz="1400" dirty="0">
+                <a:solidFill>
+                  <a:srgbClr val="000000"/>
+                </a:solidFill>
+                <a:latin typeface="Consolas" panose="020B0609020204030204" pitchFamily="49" charset="0"/>
+              </a:rPr>
+              <a:t>()</a:t>
+            </a:r>
+          </a:p>
+          <a:p>
+            <a:pPr algn="ctr"/>
+            <a:r>
+              <a:rPr lang="en-US" altLang="zh-CN" sz="1400" dirty="0" err="1">
+                <a:solidFill>
+                  <a:srgbClr val="000000"/>
+                </a:solidFill>
+                <a:latin typeface="Consolas" panose="020B0609020204030204" pitchFamily="49" charset="0"/>
+              </a:rPr>
+              <a:t>size_t</a:t>
+            </a:r>
+            <a:r>
+              <a:rPr lang="en-US" altLang="zh-CN" sz="1400" dirty="0">
+                <a:solidFill>
+                  <a:srgbClr val="000000"/>
+                </a:solidFill>
+                <a:latin typeface="Consolas" panose="020B0609020204030204" pitchFamily="49" charset="0"/>
+              </a:rPr>
+              <a:t> </a:t>
+            </a:r>
+            <a:r>
+              <a:rPr lang="en-US" altLang="zh-CN" sz="1400" dirty="0" err="1">
+                <a:solidFill>
+                  <a:srgbClr val="000000"/>
+                </a:solidFill>
+                <a:latin typeface="Consolas" panose="020B0609020204030204" pitchFamily="49" charset="0"/>
+              </a:rPr>
+              <a:t>getWorkspaceSize</a:t>
+            </a:r>
+            <a:r>
+              <a:rPr lang="en-US" altLang="zh-CN" sz="1400" dirty="0">
+                <a:solidFill>
+                  <a:srgbClr val="000000"/>
+                </a:solidFill>
+                <a:latin typeface="Consolas" panose="020B0609020204030204" pitchFamily="49" charset="0"/>
+              </a:rPr>
+              <a:t>(int </a:t>
+            </a:r>
+            <a:r>
+              <a:rPr lang="en-US" altLang="zh-CN" sz="1400" dirty="0" err="1">
+                <a:solidFill>
+                  <a:srgbClr val="000000"/>
+                </a:solidFill>
+                <a:latin typeface="Consolas" panose="020B0609020204030204" pitchFamily="49" charset="0"/>
+              </a:rPr>
+              <a:t>maxBatchSize</a:t>
+            </a:r>
+            <a:r>
+              <a:rPr lang="en-US" altLang="zh-CN" sz="1400" dirty="0">
+                <a:solidFill>
+                  <a:srgbClr val="000000"/>
+                </a:solidFill>
+                <a:latin typeface="Consolas" panose="020B0609020204030204" pitchFamily="49" charset="0"/>
+              </a:rPr>
+              <a:t>)</a:t>
+            </a:r>
+          </a:p>
+          <a:p>
+            <a:pPr algn="ctr"/>
+            <a:r>
+              <a:rPr lang="en-US" altLang="zh-CN" sz="1400" dirty="0">
+                <a:solidFill>
+                  <a:srgbClr val="000000"/>
+                </a:solidFill>
+                <a:latin typeface="Consolas" panose="020B0609020204030204" pitchFamily="49" charset="0"/>
+              </a:rPr>
+              <a:t>int initialize()</a:t>
+            </a:r>
+          </a:p>
+          <a:p>
+            <a:pPr algn="ctr"/>
+            <a:r>
+              <a:rPr lang="en-US" altLang="zh-CN" sz="1400" dirty="0">
+                <a:solidFill>
+                  <a:srgbClr val="000000"/>
+                </a:solidFill>
+                <a:latin typeface="Consolas" panose="020B0609020204030204" pitchFamily="49" charset="0"/>
+              </a:rPr>
+              <a:t>void destroy()</a:t>
+            </a:r>
+          </a:p>
+        </p:txBody>
+      </p:sp>
+    </p:spTree>
+    <p:extLst>
+      <p:ext uri="{BB962C8B-B14F-4D97-AF65-F5344CB8AC3E}">
         <p14:creationId xmlns:p14="http://schemas.microsoft.com/office/powerpoint/2010/main" val="1269734551"/>
+      </p:ext>
+    </p:extLst>
+  </p:cSld>
+  <p:clrMapOvr>
+    <a:masterClrMapping/>
+  </p:clrMapOvr>
+</p:sld>
+</file>
+
+<file path=ppt/slides/slide6.xml><?xml version="1.0" encoding="utf-8"?>
+<p:sld xmlns:a="http://schemas.openxmlformats.org/drawingml/2006/main" xmlns:r="http://schemas.openxmlformats.org/officeDocument/2006/relationships" xmlns:p="http://schemas.openxmlformats.org/presentationml/2006/main">
+  <p:cSld>
+    <p:spTree>
+      <p:nvGrpSpPr>
+        <p:cNvPr id="1" name=""/>
+        <p:cNvGrpSpPr/>
+        <p:nvPr/>
+      </p:nvGrpSpPr>
+      <p:grpSpPr>
+        <a:xfrm>
+          <a:off x="0" y="0"/>
+          <a:ext cx="0" cy="0"/>
+          <a:chOff x="0" y="0"/>
+          <a:chExt cx="0" cy="0"/>
+        </a:xfrm>
+      </p:grpSpPr>
+      <p:sp>
+        <p:nvSpPr>
+          <p:cNvPr id="6" name="矩形 5">
+            <a:extLst>
+              <a:ext uri="{FF2B5EF4-FFF2-40B4-BE49-F238E27FC236}">
+                <a16:creationId xmlns:a16="http://schemas.microsoft.com/office/drawing/2014/main" id="{F3C884B1-4D87-4CCB-973B-0A4E1846FC69}"/>
+              </a:ext>
+            </a:extLst>
+          </p:cNvPr>
+          <p:cNvSpPr/>
+          <p:nvPr/>
+        </p:nvSpPr>
+        <p:spPr>
+          <a:xfrm>
+            <a:off x="598195" y="889375"/>
+            <a:ext cx="2851788" cy="441871"/>
+          </a:xfrm>
+          <a:prstGeom prst="rect">
+            <a:avLst/>
+          </a:prstGeom>
+          <a:noFill/>
+          <a:ln>
+            <a:solidFill>
+              <a:schemeClr val="tx1"/>
+            </a:solidFill>
+          </a:ln>
+        </p:spPr>
+        <p:style>
+          <a:lnRef idx="2">
+            <a:schemeClr val="accent1">
+              <a:shade val="50000"/>
+            </a:schemeClr>
+          </a:lnRef>
+          <a:fillRef idx="1">
+            <a:schemeClr val="accent1"/>
+          </a:fillRef>
+          <a:effectRef idx="0">
+            <a:schemeClr val="accent1"/>
+          </a:effectRef>
+          <a:fontRef idx="minor">
+            <a:schemeClr val="lt1"/>
+          </a:fontRef>
+        </p:style>
+        <p:txBody>
+          <a:bodyPr rtlCol="0" anchor="ctr"/>
+          <a:lstStyle/>
+          <a:p>
+            <a:pPr algn="ctr"/>
+            <a:r>
+              <a:rPr lang="zh-CN" altLang="en-US" sz="1400" dirty="0">
+                <a:solidFill>
+                  <a:srgbClr val="000000"/>
+                </a:solidFill>
+                <a:latin typeface="Consolas" panose="020B0609020204030204" pitchFamily="49" charset="0"/>
+              </a:rPr>
+              <a:t>编写</a:t>
+            </a:r>
+            <a:r>
+              <a:rPr lang="en-US" altLang="zh-CN" sz="1400" dirty="0">
+                <a:solidFill>
+                  <a:srgbClr val="000000"/>
+                </a:solidFill>
+                <a:latin typeface="Consolas" panose="020B0609020204030204" pitchFamily="49" charset="0"/>
+              </a:rPr>
+              <a:t>plugin</a:t>
+            </a:r>
+          </a:p>
+        </p:txBody>
+      </p:sp>
+      <p:sp>
+        <p:nvSpPr>
+          <p:cNvPr id="7" name="矩形 6">
+            <a:extLst>
+              <a:ext uri="{FF2B5EF4-FFF2-40B4-BE49-F238E27FC236}">
+                <a16:creationId xmlns:a16="http://schemas.microsoft.com/office/drawing/2014/main" id="{B71410C0-CCB3-4AF3-AFAA-263F81D6E0F6}"/>
+              </a:ext>
+            </a:extLst>
+          </p:cNvPr>
+          <p:cNvSpPr/>
+          <p:nvPr/>
+        </p:nvSpPr>
+        <p:spPr>
+          <a:xfrm>
+            <a:off x="598195" y="1812322"/>
+            <a:ext cx="2851788" cy="441871"/>
+          </a:xfrm>
+          <a:prstGeom prst="rect">
+            <a:avLst/>
+          </a:prstGeom>
+          <a:noFill/>
+          <a:ln>
+            <a:solidFill>
+              <a:schemeClr val="tx1"/>
+            </a:solidFill>
+          </a:ln>
+        </p:spPr>
+        <p:style>
+          <a:lnRef idx="2">
+            <a:schemeClr val="accent1">
+              <a:shade val="50000"/>
+            </a:schemeClr>
+          </a:lnRef>
+          <a:fillRef idx="1">
+            <a:schemeClr val="accent1"/>
+          </a:fillRef>
+          <a:effectRef idx="0">
+            <a:schemeClr val="accent1"/>
+          </a:effectRef>
+          <a:fontRef idx="minor">
+            <a:schemeClr val="lt1"/>
+          </a:fontRef>
+        </p:style>
+        <p:txBody>
+          <a:bodyPr rtlCol="0" anchor="ctr"/>
+          <a:lstStyle/>
+          <a:p>
+            <a:pPr algn="ctr"/>
+            <a:r>
+              <a:rPr lang="zh-CN" altLang="en-US" sz="1400" dirty="0">
+                <a:solidFill>
+                  <a:srgbClr val="000000"/>
+                </a:solidFill>
+                <a:latin typeface="Consolas" panose="020B0609020204030204" pitchFamily="49" charset="0"/>
+              </a:rPr>
+              <a:t>编写</a:t>
+            </a:r>
+            <a:r>
+              <a:rPr lang="en-US" altLang="zh-CN" sz="1400" dirty="0">
+                <a:solidFill>
+                  <a:srgbClr val="000000"/>
+                </a:solidFill>
+                <a:latin typeface="Consolas" panose="020B0609020204030204" pitchFamily="49" charset="0"/>
+              </a:rPr>
+              <a:t>plugin creator</a:t>
+            </a:r>
+          </a:p>
+        </p:txBody>
+      </p:sp>
+      <p:sp>
+        <p:nvSpPr>
+          <p:cNvPr id="25" name="矩形 24">
+            <a:extLst>
+              <a:ext uri="{FF2B5EF4-FFF2-40B4-BE49-F238E27FC236}">
+                <a16:creationId xmlns:a16="http://schemas.microsoft.com/office/drawing/2014/main" id="{A059AC0B-DA8D-445E-BFA7-7F881FC612CB}"/>
+              </a:ext>
+            </a:extLst>
+          </p:cNvPr>
+          <p:cNvSpPr/>
+          <p:nvPr/>
+        </p:nvSpPr>
+        <p:spPr>
+          <a:xfrm>
+            <a:off x="551818" y="250137"/>
+            <a:ext cx="6096000" cy="369332"/>
+          </a:xfrm>
+          <a:prstGeom prst="rect">
+            <a:avLst/>
+          </a:prstGeom>
+        </p:spPr>
+        <p:txBody>
+          <a:bodyPr>
+            <a:spAutoFit/>
+          </a:bodyPr>
+          <a:lstStyle/>
+          <a:p>
+            <a:r>
+              <a:rPr lang="zh-CN" altLang="en-US" b="1" dirty="0"/>
+              <a:t>如何构建自己的</a:t>
+            </a:r>
+            <a:r>
+              <a:rPr lang="en-US" altLang="zh-CN" b="1" dirty="0"/>
+              <a:t>plugin</a:t>
+            </a:r>
+            <a:r>
+              <a:rPr lang="zh-CN" altLang="en-US" b="1" dirty="0"/>
+              <a:t>库</a:t>
+            </a:r>
+          </a:p>
+        </p:txBody>
+      </p:sp>
+      <p:sp>
+        <p:nvSpPr>
+          <p:cNvPr id="28" name="矩形 27">
+            <a:extLst>
+              <a:ext uri="{FF2B5EF4-FFF2-40B4-BE49-F238E27FC236}">
+                <a16:creationId xmlns:a16="http://schemas.microsoft.com/office/drawing/2014/main" id="{B7CE4241-FF52-4D1F-9E63-99ECD73FC50F}"/>
+              </a:ext>
+            </a:extLst>
+          </p:cNvPr>
+          <p:cNvSpPr/>
+          <p:nvPr/>
+        </p:nvSpPr>
+        <p:spPr>
+          <a:xfrm>
+            <a:off x="598195" y="2813178"/>
+            <a:ext cx="2851788" cy="441871"/>
+          </a:xfrm>
+          <a:prstGeom prst="rect">
+            <a:avLst/>
+          </a:prstGeom>
+          <a:noFill/>
+          <a:ln>
+            <a:solidFill>
+              <a:schemeClr val="tx1"/>
+            </a:solidFill>
+          </a:ln>
+        </p:spPr>
+        <p:style>
+          <a:lnRef idx="2">
+            <a:schemeClr val="accent1">
+              <a:shade val="50000"/>
+            </a:schemeClr>
+          </a:lnRef>
+          <a:fillRef idx="1">
+            <a:schemeClr val="accent1"/>
+          </a:fillRef>
+          <a:effectRef idx="0">
+            <a:schemeClr val="accent1"/>
+          </a:effectRef>
+          <a:fontRef idx="minor">
+            <a:schemeClr val="lt1"/>
+          </a:fontRef>
+        </p:style>
+        <p:txBody>
+          <a:bodyPr rtlCol="0" anchor="ctr"/>
+          <a:lstStyle/>
+          <a:p>
+            <a:pPr algn="ctr"/>
+            <a:r>
+              <a:rPr lang="zh-CN" altLang="en-US" sz="1400" dirty="0">
+                <a:solidFill>
+                  <a:srgbClr val="000000"/>
+                </a:solidFill>
+                <a:latin typeface="Consolas" panose="020B0609020204030204" pitchFamily="49" charset="0"/>
+              </a:rPr>
+              <a:t>注册</a:t>
+            </a:r>
+            <a:r>
+              <a:rPr lang="en-US" altLang="zh-CN" sz="1400" dirty="0">
+                <a:solidFill>
+                  <a:srgbClr val="000000"/>
+                </a:solidFill>
+                <a:latin typeface="Consolas" panose="020B0609020204030204" pitchFamily="49" charset="0"/>
+              </a:rPr>
+              <a:t>plugin creator</a:t>
+            </a:r>
+          </a:p>
+        </p:txBody>
+      </p:sp>
+      <p:sp>
+        <p:nvSpPr>
+          <p:cNvPr id="2" name="矩形 1">
+            <a:extLst>
+              <a:ext uri="{FF2B5EF4-FFF2-40B4-BE49-F238E27FC236}">
+                <a16:creationId xmlns:a16="http://schemas.microsoft.com/office/drawing/2014/main" id="{F5A96996-3ED9-4051-AB37-B11C8551AA39}"/>
+              </a:ext>
+            </a:extLst>
+          </p:cNvPr>
+          <p:cNvSpPr/>
+          <p:nvPr/>
+        </p:nvSpPr>
+        <p:spPr>
+          <a:xfrm>
+            <a:off x="3831768" y="701873"/>
+            <a:ext cx="1117742" cy="338554"/>
+          </a:xfrm>
+          <a:prstGeom prst="rect">
+            <a:avLst/>
+          </a:prstGeom>
+        </p:spPr>
+        <p:txBody>
+          <a:bodyPr wrap="none">
+            <a:spAutoFit/>
+          </a:bodyPr>
+          <a:lstStyle/>
+          <a:p>
+            <a:r>
+              <a:rPr lang="en-US" altLang="zh-CN" sz="1600" dirty="0">
+                <a:latin typeface="Times New Roman" panose="02020603050405020304" pitchFamily="18" charset="0"/>
+                <a:cs typeface="Times New Roman" panose="02020603050405020304" pitchFamily="18" charset="0"/>
+              </a:rPr>
+              <a:t>pluginType</a:t>
+            </a:r>
+          </a:p>
+        </p:txBody>
+      </p:sp>
+      <p:sp>
+        <p:nvSpPr>
+          <p:cNvPr id="19" name="矩形 18">
+            <a:extLst>
+              <a:ext uri="{FF2B5EF4-FFF2-40B4-BE49-F238E27FC236}">
+                <a16:creationId xmlns:a16="http://schemas.microsoft.com/office/drawing/2014/main" id="{2DF26C6E-EE44-40ED-80CA-272531156CC0}"/>
+              </a:ext>
+            </a:extLst>
+          </p:cNvPr>
+          <p:cNvSpPr/>
+          <p:nvPr/>
+        </p:nvSpPr>
+        <p:spPr>
+          <a:xfrm>
+            <a:off x="3831768" y="1110310"/>
+            <a:ext cx="1338508" cy="338554"/>
+          </a:xfrm>
+          <a:prstGeom prst="rect">
+            <a:avLst/>
+          </a:prstGeom>
+        </p:spPr>
+        <p:txBody>
+          <a:bodyPr wrap="none">
+            <a:spAutoFit/>
+          </a:bodyPr>
+          <a:lstStyle/>
+          <a:p>
+            <a:r>
+              <a:rPr lang="en-US" altLang="zh-CN" sz="1600" dirty="0">
+                <a:latin typeface="Times New Roman" panose="02020603050405020304" pitchFamily="18" charset="0"/>
+                <a:cs typeface="Times New Roman" panose="02020603050405020304" pitchFamily="18" charset="0"/>
+              </a:rPr>
+              <a:t>pluginVersion</a:t>
+            </a:r>
+          </a:p>
+        </p:txBody>
+      </p:sp>
+      <p:sp>
+        <p:nvSpPr>
+          <p:cNvPr id="20" name="矩形 19">
+            <a:extLst>
+              <a:ext uri="{FF2B5EF4-FFF2-40B4-BE49-F238E27FC236}">
+                <a16:creationId xmlns:a16="http://schemas.microsoft.com/office/drawing/2014/main" id="{CBAEAD0B-E034-4344-8407-90563D647936}"/>
+              </a:ext>
+            </a:extLst>
+          </p:cNvPr>
+          <p:cNvSpPr/>
+          <p:nvPr/>
+        </p:nvSpPr>
+        <p:spPr>
+          <a:xfrm>
+            <a:off x="3831768" y="1688984"/>
+            <a:ext cx="1200970" cy="338554"/>
+          </a:xfrm>
+          <a:prstGeom prst="rect">
+            <a:avLst/>
+          </a:prstGeom>
+        </p:spPr>
+        <p:txBody>
+          <a:bodyPr wrap="none">
+            <a:spAutoFit/>
+          </a:bodyPr>
+          <a:lstStyle/>
+          <a:p>
+            <a:r>
+              <a:rPr lang="en-US" altLang="zh-CN" sz="1600" dirty="0" err="1">
+                <a:latin typeface="Times New Roman" panose="02020603050405020304" pitchFamily="18" charset="0"/>
+                <a:cs typeface="Times New Roman" panose="02020603050405020304" pitchFamily="18" charset="0"/>
+              </a:rPr>
+              <a:t>pluginName</a:t>
+            </a:r>
+            <a:endParaRPr lang="en-US" altLang="zh-CN" sz="1600" dirty="0">
+              <a:latin typeface="Times New Roman" panose="02020603050405020304" pitchFamily="18" charset="0"/>
+              <a:cs typeface="Times New Roman" panose="02020603050405020304" pitchFamily="18" charset="0"/>
+            </a:endParaRPr>
+          </a:p>
+        </p:txBody>
+      </p:sp>
+      <p:sp>
+        <p:nvSpPr>
+          <p:cNvPr id="21" name="矩形 20">
+            <a:extLst>
+              <a:ext uri="{FF2B5EF4-FFF2-40B4-BE49-F238E27FC236}">
+                <a16:creationId xmlns:a16="http://schemas.microsoft.com/office/drawing/2014/main" id="{A0A0A4DC-C76E-4AB9-A9FB-BDF422320C61}"/>
+              </a:ext>
+            </a:extLst>
+          </p:cNvPr>
+          <p:cNvSpPr/>
+          <p:nvPr/>
+        </p:nvSpPr>
+        <p:spPr>
+          <a:xfrm>
+            <a:off x="3831768" y="2097421"/>
+            <a:ext cx="1338508" cy="338554"/>
+          </a:xfrm>
+          <a:prstGeom prst="rect">
+            <a:avLst/>
+          </a:prstGeom>
+        </p:spPr>
+        <p:txBody>
+          <a:bodyPr wrap="none">
+            <a:spAutoFit/>
+          </a:bodyPr>
+          <a:lstStyle/>
+          <a:p>
+            <a:r>
+              <a:rPr lang="en-US" altLang="zh-CN" sz="1600" dirty="0">
+                <a:latin typeface="Times New Roman" panose="02020603050405020304" pitchFamily="18" charset="0"/>
+                <a:cs typeface="Times New Roman" panose="02020603050405020304" pitchFamily="18" charset="0"/>
+              </a:rPr>
+              <a:t>pluginVersion</a:t>
+            </a:r>
+          </a:p>
+        </p:txBody>
+      </p:sp>
+      <p:sp>
+        <p:nvSpPr>
+          <p:cNvPr id="22" name="矩形 21">
+            <a:extLst>
+              <a:ext uri="{FF2B5EF4-FFF2-40B4-BE49-F238E27FC236}">
+                <a16:creationId xmlns:a16="http://schemas.microsoft.com/office/drawing/2014/main" id="{1D58AEA0-C9EF-4C7D-BE15-B946AB03399A}"/>
+              </a:ext>
+            </a:extLst>
+          </p:cNvPr>
+          <p:cNvSpPr/>
+          <p:nvPr/>
+        </p:nvSpPr>
+        <p:spPr>
+          <a:xfrm>
+            <a:off x="3831768" y="2676095"/>
+            <a:ext cx="3161956" cy="338554"/>
+          </a:xfrm>
+          <a:prstGeom prst="rect">
+            <a:avLst/>
+          </a:prstGeom>
+        </p:spPr>
+        <p:txBody>
+          <a:bodyPr wrap="none">
+            <a:spAutoFit/>
+          </a:bodyPr>
+          <a:lstStyle/>
+          <a:p>
+            <a:r>
+              <a:rPr lang="en-US" altLang="zh-CN" sz="1600" dirty="0">
+                <a:latin typeface="Times New Roman" panose="02020603050405020304" pitchFamily="18" charset="0"/>
+                <a:cs typeface="Times New Roman" panose="02020603050405020304" pitchFamily="18" charset="0"/>
+              </a:rPr>
+              <a:t>REGISTER_TENSORRT_PLUGIN</a:t>
+            </a:r>
+          </a:p>
+        </p:txBody>
+      </p:sp>
+      <p:sp>
+        <p:nvSpPr>
+          <p:cNvPr id="23" name="矩形 22">
+            <a:extLst>
+              <a:ext uri="{FF2B5EF4-FFF2-40B4-BE49-F238E27FC236}">
+                <a16:creationId xmlns:a16="http://schemas.microsoft.com/office/drawing/2014/main" id="{7E6221BD-65D3-492E-B344-207FC1AD13E8}"/>
+              </a:ext>
+            </a:extLst>
+          </p:cNvPr>
+          <p:cNvSpPr/>
+          <p:nvPr/>
+        </p:nvSpPr>
+        <p:spPr>
+          <a:xfrm>
+            <a:off x="3831768" y="3084532"/>
+            <a:ext cx="5564152" cy="338554"/>
+          </a:xfrm>
+          <a:prstGeom prst="rect">
+            <a:avLst/>
+          </a:prstGeom>
+        </p:spPr>
+        <p:txBody>
+          <a:bodyPr wrap="none">
+            <a:spAutoFit/>
+          </a:bodyPr>
+          <a:lstStyle/>
+          <a:p>
+            <a:r>
+              <a:rPr lang="en-US" altLang="zh-CN" sz="1600" dirty="0" err="1">
+                <a:latin typeface="Times New Roman" panose="02020603050405020304" pitchFamily="18" charset="0"/>
+                <a:cs typeface="Times New Roman" panose="02020603050405020304" pitchFamily="18" charset="0"/>
+              </a:rPr>
+              <a:t>getPluginRegistry</a:t>
+            </a:r>
+            <a:r>
+              <a:rPr lang="en-US" altLang="zh-CN" sz="1600" dirty="0">
+                <a:latin typeface="Times New Roman" panose="02020603050405020304" pitchFamily="18" charset="0"/>
+                <a:cs typeface="Times New Roman" panose="02020603050405020304" pitchFamily="18" charset="0"/>
+              </a:rPr>
+              <a:t>()-&gt;</a:t>
+            </a:r>
+            <a:r>
+              <a:rPr lang="en-US" altLang="zh-CN" sz="1600" dirty="0" err="1">
+                <a:latin typeface="Times New Roman" panose="02020603050405020304" pitchFamily="18" charset="0"/>
+                <a:cs typeface="Times New Roman" panose="02020603050405020304" pitchFamily="18" charset="0"/>
+              </a:rPr>
+              <a:t>registerCreator</a:t>
+            </a:r>
+            <a:r>
+              <a:rPr lang="en-US" altLang="zh-CN" sz="1600" dirty="0">
+                <a:latin typeface="Times New Roman" panose="02020603050405020304" pitchFamily="18" charset="0"/>
+                <a:cs typeface="Times New Roman" panose="02020603050405020304" pitchFamily="18" charset="0"/>
+              </a:rPr>
+              <a:t>(*</a:t>
+            </a:r>
+            <a:r>
+              <a:rPr lang="en-US" altLang="zh-CN" sz="1600" dirty="0" err="1">
+                <a:latin typeface="Times New Roman" panose="02020603050405020304" pitchFamily="18" charset="0"/>
+                <a:cs typeface="Times New Roman" panose="02020603050405020304" pitchFamily="18" charset="0"/>
+              </a:rPr>
+              <a:t>mCreator</a:t>
+            </a:r>
+            <a:r>
+              <a:rPr lang="en-US" altLang="zh-CN" sz="1600" dirty="0">
+                <a:latin typeface="Times New Roman" panose="02020603050405020304" pitchFamily="18" charset="0"/>
+                <a:cs typeface="Times New Roman" panose="02020603050405020304" pitchFamily="18" charset="0"/>
+              </a:rPr>
+              <a:t>, </a:t>
+            </a:r>
+            <a:r>
+              <a:rPr lang="en-US" altLang="zh-CN" sz="1600" dirty="0" err="1">
+                <a:latin typeface="Times New Roman" panose="02020603050405020304" pitchFamily="18" charset="0"/>
+                <a:cs typeface="Times New Roman" panose="02020603050405020304" pitchFamily="18" charset="0"/>
+              </a:rPr>
+              <a:t>libNamespace</a:t>
+            </a:r>
+            <a:r>
+              <a:rPr lang="en-US" altLang="zh-CN" sz="1600" dirty="0">
+                <a:latin typeface="Times New Roman" panose="02020603050405020304" pitchFamily="18" charset="0"/>
+                <a:cs typeface="Times New Roman" panose="02020603050405020304" pitchFamily="18" charset="0"/>
+              </a:rPr>
+              <a:t>);</a:t>
+            </a:r>
+          </a:p>
+        </p:txBody>
+      </p:sp>
+      <p:sp>
+        <p:nvSpPr>
+          <p:cNvPr id="24" name="矩形 23">
+            <a:extLst>
+              <a:ext uri="{FF2B5EF4-FFF2-40B4-BE49-F238E27FC236}">
+                <a16:creationId xmlns:a16="http://schemas.microsoft.com/office/drawing/2014/main" id="{D3541211-53FE-4818-ACE2-A03027095C85}"/>
+              </a:ext>
+            </a:extLst>
+          </p:cNvPr>
+          <p:cNvSpPr/>
+          <p:nvPr/>
+        </p:nvSpPr>
+        <p:spPr>
+          <a:xfrm>
+            <a:off x="598195" y="4764236"/>
+            <a:ext cx="2851788" cy="441871"/>
+          </a:xfrm>
+          <a:prstGeom prst="rect">
+            <a:avLst/>
+          </a:prstGeom>
+          <a:noFill/>
+          <a:ln>
+            <a:solidFill>
+              <a:schemeClr val="tx1"/>
+            </a:solidFill>
+          </a:ln>
+        </p:spPr>
+        <p:style>
+          <a:lnRef idx="2">
+            <a:schemeClr val="accent1">
+              <a:shade val="50000"/>
+            </a:schemeClr>
+          </a:lnRef>
+          <a:fillRef idx="1">
+            <a:schemeClr val="accent1"/>
+          </a:fillRef>
+          <a:effectRef idx="0">
+            <a:schemeClr val="accent1"/>
+          </a:effectRef>
+          <a:fontRef idx="minor">
+            <a:schemeClr val="lt1"/>
+          </a:fontRef>
+        </p:style>
+        <p:txBody>
+          <a:bodyPr rtlCol="0" anchor="ctr"/>
+          <a:lstStyle/>
+          <a:p>
+            <a:pPr algn="ctr"/>
+            <a:r>
+              <a:rPr lang="zh-CN" altLang="en-US" sz="1400" dirty="0">
+                <a:solidFill>
+                  <a:srgbClr val="000000"/>
+                </a:solidFill>
+                <a:latin typeface="Consolas" panose="020B0609020204030204" pitchFamily="49" charset="0"/>
+              </a:rPr>
+              <a:t>反序列化过程和原理</a:t>
+            </a:r>
+            <a:endParaRPr lang="en-US" altLang="zh-CN" sz="1400" dirty="0">
+              <a:solidFill>
+                <a:srgbClr val="000000"/>
+              </a:solidFill>
+              <a:latin typeface="Consolas" panose="020B0609020204030204" pitchFamily="49" charset="0"/>
+            </a:endParaRPr>
+          </a:p>
+        </p:txBody>
+      </p:sp>
+      <p:cxnSp>
+        <p:nvCxnSpPr>
+          <p:cNvPr id="4" name="直接箭头连接符 3">
+            <a:extLst>
+              <a:ext uri="{FF2B5EF4-FFF2-40B4-BE49-F238E27FC236}">
+                <a16:creationId xmlns:a16="http://schemas.microsoft.com/office/drawing/2014/main" id="{20DECE0D-DD02-4AFA-9A9D-918785847785}"/>
+              </a:ext>
+            </a:extLst>
+          </p:cNvPr>
+          <p:cNvCxnSpPr>
+            <a:cxnSpLocks/>
+            <a:stCxn id="7" idx="2"/>
+            <a:endCxn id="28" idx="0"/>
+          </p:cNvCxnSpPr>
+          <p:nvPr/>
+        </p:nvCxnSpPr>
+        <p:spPr>
+          <a:xfrm>
+            <a:off x="2024089" y="2254193"/>
+            <a:ext cx="0" cy="558985"/>
+          </a:xfrm>
+          <a:prstGeom prst="straightConnector1">
+            <a:avLst/>
+          </a:prstGeom>
+          <a:ln>
+            <a:tailEnd type="triangle"/>
+          </a:ln>
+        </p:spPr>
+        <p:style>
+          <a:lnRef idx="2">
+            <a:schemeClr val="dk1"/>
+          </a:lnRef>
+          <a:fillRef idx="0">
+            <a:schemeClr val="dk1"/>
+          </a:fillRef>
+          <a:effectRef idx="1">
+            <a:schemeClr val="dk1"/>
+          </a:effectRef>
+          <a:fontRef idx="minor">
+            <a:schemeClr val="tx1"/>
+          </a:fontRef>
+        </p:style>
+      </p:cxnSp>
+      <p:cxnSp>
+        <p:nvCxnSpPr>
+          <p:cNvPr id="27" name="直接箭头连接符 26">
+            <a:extLst>
+              <a:ext uri="{FF2B5EF4-FFF2-40B4-BE49-F238E27FC236}">
+                <a16:creationId xmlns:a16="http://schemas.microsoft.com/office/drawing/2014/main" id="{BDAD6A80-DB8A-445A-B81A-DF54B08A29F3}"/>
+              </a:ext>
+            </a:extLst>
+          </p:cNvPr>
+          <p:cNvCxnSpPr>
+            <a:cxnSpLocks/>
+            <a:stCxn id="6" idx="2"/>
+            <a:endCxn id="7" idx="0"/>
+          </p:cNvCxnSpPr>
+          <p:nvPr/>
+        </p:nvCxnSpPr>
+        <p:spPr>
+          <a:xfrm>
+            <a:off x="2024089" y="1331246"/>
+            <a:ext cx="0" cy="481076"/>
+          </a:xfrm>
+          <a:prstGeom prst="straightConnector1">
+            <a:avLst/>
+          </a:prstGeom>
+          <a:ln>
+            <a:tailEnd type="triangle"/>
+          </a:ln>
+        </p:spPr>
+        <p:style>
+          <a:lnRef idx="2">
+            <a:schemeClr val="dk1"/>
+          </a:lnRef>
+          <a:fillRef idx="0">
+            <a:schemeClr val="dk1"/>
+          </a:fillRef>
+          <a:effectRef idx="1">
+            <a:schemeClr val="dk1"/>
+          </a:effectRef>
+          <a:fontRef idx="minor">
+            <a:schemeClr val="tx1"/>
+          </a:fontRef>
+        </p:style>
+      </p:cxnSp>
+      <p:cxnSp>
+        <p:nvCxnSpPr>
+          <p:cNvPr id="12" name="直接连接符 11">
+            <a:extLst>
+              <a:ext uri="{FF2B5EF4-FFF2-40B4-BE49-F238E27FC236}">
+                <a16:creationId xmlns:a16="http://schemas.microsoft.com/office/drawing/2014/main" id="{CE47F69D-CE35-43FC-8703-681A985DEC6B}"/>
+              </a:ext>
+            </a:extLst>
+          </p:cNvPr>
+          <p:cNvCxnSpPr/>
+          <p:nvPr/>
+        </p:nvCxnSpPr>
+        <p:spPr>
+          <a:xfrm>
+            <a:off x="1033670" y="4209774"/>
+            <a:ext cx="8803860" cy="0"/>
+          </a:xfrm>
+          <a:prstGeom prst="line">
+            <a:avLst/>
+          </a:prstGeom>
+        </p:spPr>
+        <p:style>
+          <a:lnRef idx="1">
+            <a:schemeClr val="dk1"/>
+          </a:lnRef>
+          <a:fillRef idx="0">
+            <a:schemeClr val="dk1"/>
+          </a:fillRef>
+          <a:effectRef idx="0">
+            <a:schemeClr val="dk1"/>
+          </a:effectRef>
+          <a:fontRef idx="minor">
+            <a:schemeClr val="tx1"/>
+          </a:fontRef>
+        </p:style>
+      </p:cxnSp>
+      <p:sp>
+        <p:nvSpPr>
+          <p:cNvPr id="36" name="矩形 35">
+            <a:extLst>
+              <a:ext uri="{FF2B5EF4-FFF2-40B4-BE49-F238E27FC236}">
+                <a16:creationId xmlns:a16="http://schemas.microsoft.com/office/drawing/2014/main" id="{AB86C684-B920-4B06-B090-A9CAB025B805}"/>
+              </a:ext>
+            </a:extLst>
+          </p:cNvPr>
+          <p:cNvSpPr/>
+          <p:nvPr/>
+        </p:nvSpPr>
+        <p:spPr>
+          <a:xfrm>
+            <a:off x="598195" y="3602952"/>
+            <a:ext cx="2851788" cy="441871"/>
+          </a:xfrm>
+          <a:prstGeom prst="rect">
+            <a:avLst/>
+          </a:prstGeom>
+          <a:noFill/>
+          <a:ln>
+            <a:solidFill>
+              <a:schemeClr val="tx1"/>
+            </a:solidFill>
+          </a:ln>
+        </p:spPr>
+        <p:style>
+          <a:lnRef idx="2">
+            <a:schemeClr val="accent1">
+              <a:shade val="50000"/>
+            </a:schemeClr>
+          </a:lnRef>
+          <a:fillRef idx="1">
+            <a:schemeClr val="accent1"/>
+          </a:fillRef>
+          <a:effectRef idx="0">
+            <a:schemeClr val="accent1"/>
+          </a:effectRef>
+          <a:fontRef idx="minor">
+            <a:schemeClr val="lt1"/>
+          </a:fontRef>
+        </p:style>
+        <p:txBody>
+          <a:bodyPr rtlCol="0" anchor="ctr"/>
+          <a:lstStyle/>
+          <a:p>
+            <a:pPr algn="ctr"/>
+            <a:r>
+              <a:rPr lang="zh-CN" altLang="en-US" sz="1400" dirty="0">
+                <a:solidFill>
+                  <a:srgbClr val="000000"/>
+                </a:solidFill>
+                <a:latin typeface="Consolas" panose="020B0609020204030204" pitchFamily="49" charset="0"/>
+              </a:rPr>
+              <a:t>序列化</a:t>
+            </a:r>
+            <a:endParaRPr lang="en-US" altLang="zh-CN" sz="1400" dirty="0">
+              <a:solidFill>
+                <a:srgbClr val="000000"/>
+              </a:solidFill>
+              <a:latin typeface="Consolas" panose="020B0609020204030204" pitchFamily="49" charset="0"/>
+            </a:endParaRPr>
+          </a:p>
+        </p:txBody>
+      </p:sp>
+      <p:sp>
+        <p:nvSpPr>
+          <p:cNvPr id="37" name="矩形 36">
+            <a:extLst>
+              <a:ext uri="{FF2B5EF4-FFF2-40B4-BE49-F238E27FC236}">
+                <a16:creationId xmlns:a16="http://schemas.microsoft.com/office/drawing/2014/main" id="{B16D98C6-D48E-4F5A-B2A2-13B12E7DD37F}"/>
+              </a:ext>
+            </a:extLst>
+          </p:cNvPr>
+          <p:cNvSpPr/>
+          <p:nvPr/>
+        </p:nvSpPr>
+        <p:spPr>
+          <a:xfrm>
+            <a:off x="3831768" y="3647153"/>
+            <a:ext cx="2441694" cy="338554"/>
+          </a:xfrm>
+          <a:prstGeom prst="rect">
+            <a:avLst/>
+          </a:prstGeom>
+        </p:spPr>
+        <p:txBody>
+          <a:bodyPr wrap="none">
+            <a:spAutoFit/>
+          </a:bodyPr>
+          <a:lstStyle/>
+          <a:p>
+            <a:r>
+              <a:rPr lang="zh-CN" altLang="en-US" sz="1600" dirty="0">
+                <a:latin typeface="Times New Roman" panose="02020603050405020304" pitchFamily="18" charset="0"/>
+                <a:cs typeface="Times New Roman" panose="02020603050405020304" pitchFamily="18" charset="0"/>
+              </a:rPr>
+              <a:t>将参数和权值写到文件中</a:t>
+            </a:r>
+            <a:endParaRPr lang="en-US" altLang="zh-CN" sz="1600" dirty="0">
+              <a:latin typeface="Times New Roman" panose="02020603050405020304" pitchFamily="18" charset="0"/>
+              <a:cs typeface="Times New Roman" panose="02020603050405020304" pitchFamily="18" charset="0"/>
+            </a:endParaRPr>
+          </a:p>
+        </p:txBody>
+      </p:sp>
+      <p:sp>
+        <p:nvSpPr>
+          <p:cNvPr id="38" name="矩形 37">
+            <a:extLst>
+              <a:ext uri="{FF2B5EF4-FFF2-40B4-BE49-F238E27FC236}">
+                <a16:creationId xmlns:a16="http://schemas.microsoft.com/office/drawing/2014/main" id="{84044F9E-C4CF-44AC-94E6-63A6D5D2C1DE}"/>
+              </a:ext>
+            </a:extLst>
+          </p:cNvPr>
+          <p:cNvSpPr/>
+          <p:nvPr/>
+        </p:nvSpPr>
+        <p:spPr>
+          <a:xfrm>
+            <a:off x="598195" y="5597686"/>
+            <a:ext cx="2851788" cy="441871"/>
+          </a:xfrm>
+          <a:prstGeom prst="rect">
+            <a:avLst/>
+          </a:prstGeom>
+          <a:noFill/>
+          <a:ln>
+            <a:solidFill>
+              <a:schemeClr val="tx1"/>
+            </a:solidFill>
+          </a:ln>
+        </p:spPr>
+        <p:style>
+          <a:lnRef idx="2">
+            <a:schemeClr val="accent1">
+              <a:shade val="50000"/>
+            </a:schemeClr>
+          </a:lnRef>
+          <a:fillRef idx="1">
+            <a:schemeClr val="accent1"/>
+          </a:fillRef>
+          <a:effectRef idx="0">
+            <a:schemeClr val="accent1"/>
+          </a:effectRef>
+          <a:fontRef idx="minor">
+            <a:schemeClr val="lt1"/>
+          </a:fontRef>
+        </p:style>
+        <p:txBody>
+          <a:bodyPr rtlCol="0" anchor="ctr"/>
+          <a:lstStyle/>
+          <a:p>
+            <a:pPr algn="ctr"/>
+            <a:r>
+              <a:rPr lang="zh-CN" altLang="en-US" sz="1200" dirty="0">
+                <a:solidFill>
+                  <a:srgbClr val="000000"/>
+                </a:solidFill>
+                <a:latin typeface="Consolas" panose="020B0609020204030204" pitchFamily="49" charset="0"/>
+              </a:rPr>
+              <a:t>从文件中读取</a:t>
+            </a:r>
+            <a:r>
+              <a:rPr lang="en-US" altLang="zh-CN" sz="1200" dirty="0">
+                <a:solidFill>
+                  <a:srgbClr val="000000"/>
+                </a:solidFill>
+                <a:latin typeface="Consolas" panose="020B0609020204030204" pitchFamily="49" charset="0"/>
+              </a:rPr>
+              <a:t>pluginType</a:t>
+            </a:r>
+            <a:r>
+              <a:rPr lang="zh-CN" altLang="en-US" sz="1200" dirty="0">
+                <a:solidFill>
+                  <a:srgbClr val="000000"/>
+                </a:solidFill>
+                <a:latin typeface="Consolas" panose="020B0609020204030204" pitchFamily="49" charset="0"/>
+              </a:rPr>
+              <a:t>和</a:t>
+            </a:r>
+            <a:r>
+              <a:rPr lang="en-US" altLang="zh-CN" sz="1200" dirty="0">
+                <a:solidFill>
+                  <a:srgbClr val="000000"/>
+                </a:solidFill>
+                <a:latin typeface="Consolas" panose="020B0609020204030204" pitchFamily="49" charset="0"/>
+              </a:rPr>
+              <a:t>pluginVersion</a:t>
+            </a:r>
+          </a:p>
+        </p:txBody>
+      </p:sp>
+      <p:sp>
+        <p:nvSpPr>
+          <p:cNvPr id="39" name="矩形 38">
+            <a:extLst>
+              <a:ext uri="{FF2B5EF4-FFF2-40B4-BE49-F238E27FC236}">
+                <a16:creationId xmlns:a16="http://schemas.microsoft.com/office/drawing/2014/main" id="{6F754685-E507-4335-98EA-5338AD311711}"/>
+              </a:ext>
+            </a:extLst>
+          </p:cNvPr>
+          <p:cNvSpPr/>
+          <p:nvPr/>
+        </p:nvSpPr>
+        <p:spPr>
+          <a:xfrm>
+            <a:off x="3690369" y="5597686"/>
+            <a:ext cx="2851788" cy="441871"/>
+          </a:xfrm>
+          <a:prstGeom prst="rect">
+            <a:avLst/>
+          </a:prstGeom>
+          <a:noFill/>
+          <a:ln>
+            <a:solidFill>
+              <a:schemeClr val="tx1"/>
+            </a:solidFill>
+          </a:ln>
+        </p:spPr>
+        <p:style>
+          <a:lnRef idx="2">
+            <a:schemeClr val="accent1">
+              <a:shade val="50000"/>
+            </a:schemeClr>
+          </a:lnRef>
+          <a:fillRef idx="1">
+            <a:schemeClr val="accent1"/>
+          </a:fillRef>
+          <a:effectRef idx="0">
+            <a:schemeClr val="accent1"/>
+          </a:effectRef>
+          <a:fontRef idx="minor">
+            <a:schemeClr val="lt1"/>
+          </a:fontRef>
+        </p:style>
+        <p:txBody>
+          <a:bodyPr rtlCol="0" anchor="ctr"/>
+          <a:lstStyle/>
+          <a:p>
+            <a:pPr algn="ctr"/>
+            <a:r>
+              <a:rPr lang="zh-CN" altLang="en-US" sz="1200" dirty="0">
+                <a:solidFill>
+                  <a:srgbClr val="000000"/>
+                </a:solidFill>
+                <a:latin typeface="Consolas" panose="020B0609020204030204" pitchFamily="49" charset="0"/>
+              </a:rPr>
+              <a:t>根据</a:t>
+            </a:r>
+            <a:r>
+              <a:rPr lang="en-US" altLang="zh-CN" sz="1200" dirty="0">
+                <a:solidFill>
+                  <a:srgbClr val="000000"/>
+                </a:solidFill>
+                <a:latin typeface="Consolas" panose="020B0609020204030204" pitchFamily="49" charset="0"/>
+              </a:rPr>
+              <a:t>pluginType</a:t>
+            </a:r>
+            <a:r>
+              <a:rPr lang="zh-CN" altLang="en-US" sz="1200" dirty="0">
+                <a:solidFill>
+                  <a:srgbClr val="000000"/>
+                </a:solidFill>
+                <a:latin typeface="Consolas" panose="020B0609020204030204" pitchFamily="49" charset="0"/>
+              </a:rPr>
+              <a:t>和</a:t>
+            </a:r>
+            <a:r>
+              <a:rPr lang="en-US" altLang="zh-CN" sz="1200" dirty="0">
+                <a:solidFill>
+                  <a:srgbClr val="000000"/>
+                </a:solidFill>
+                <a:latin typeface="Consolas" panose="020B0609020204030204" pitchFamily="49" charset="0"/>
+              </a:rPr>
+              <a:t>pluginVersion</a:t>
+            </a:r>
+            <a:r>
+              <a:rPr lang="zh-CN" altLang="en-US" sz="1200" dirty="0">
+                <a:solidFill>
+                  <a:srgbClr val="000000"/>
+                </a:solidFill>
+                <a:latin typeface="Consolas" panose="020B0609020204030204" pitchFamily="49" charset="0"/>
+              </a:rPr>
+              <a:t>从</a:t>
+            </a:r>
+            <a:r>
+              <a:rPr lang="en-US" altLang="zh-CN" sz="1200" dirty="0" err="1">
+                <a:solidFill>
+                  <a:srgbClr val="000000"/>
+                </a:solidFill>
+                <a:latin typeface="Consolas" panose="020B0609020204030204" pitchFamily="49" charset="0"/>
+              </a:rPr>
+              <a:t>getPluginRegistry</a:t>
+            </a:r>
+            <a:r>
+              <a:rPr lang="zh-CN" altLang="en-US" sz="1200" dirty="0">
+                <a:solidFill>
+                  <a:srgbClr val="000000"/>
+                </a:solidFill>
+                <a:latin typeface="Consolas" panose="020B0609020204030204" pitchFamily="49" charset="0"/>
+              </a:rPr>
+              <a:t>获得</a:t>
+            </a:r>
+            <a:r>
+              <a:rPr lang="en-US" altLang="zh-CN" sz="1200" dirty="0">
+                <a:solidFill>
+                  <a:srgbClr val="000000"/>
+                </a:solidFill>
+                <a:latin typeface="Consolas" panose="020B0609020204030204" pitchFamily="49" charset="0"/>
+              </a:rPr>
+              <a:t>creator</a:t>
+            </a:r>
+          </a:p>
+        </p:txBody>
+      </p:sp>
+      <p:sp>
+        <p:nvSpPr>
+          <p:cNvPr id="41" name="矩形 40">
+            <a:extLst>
+              <a:ext uri="{FF2B5EF4-FFF2-40B4-BE49-F238E27FC236}">
+                <a16:creationId xmlns:a16="http://schemas.microsoft.com/office/drawing/2014/main" id="{AA02E649-201E-4A94-9F65-DE26381560AC}"/>
+              </a:ext>
+            </a:extLst>
+          </p:cNvPr>
+          <p:cNvSpPr/>
+          <p:nvPr/>
+        </p:nvSpPr>
+        <p:spPr>
+          <a:xfrm>
+            <a:off x="6782543" y="5597686"/>
+            <a:ext cx="2851788" cy="441871"/>
+          </a:xfrm>
+          <a:prstGeom prst="rect">
+            <a:avLst/>
+          </a:prstGeom>
+          <a:noFill/>
+          <a:ln>
+            <a:solidFill>
+              <a:schemeClr val="tx1"/>
+            </a:solidFill>
+          </a:ln>
+        </p:spPr>
+        <p:style>
+          <a:lnRef idx="2">
+            <a:schemeClr val="accent1">
+              <a:shade val="50000"/>
+            </a:schemeClr>
+          </a:lnRef>
+          <a:fillRef idx="1">
+            <a:schemeClr val="accent1"/>
+          </a:fillRef>
+          <a:effectRef idx="0">
+            <a:schemeClr val="accent1"/>
+          </a:effectRef>
+          <a:fontRef idx="minor">
+            <a:schemeClr val="lt1"/>
+          </a:fontRef>
+        </p:style>
+        <p:txBody>
+          <a:bodyPr rtlCol="0" anchor="ctr"/>
+          <a:lstStyle/>
+          <a:p>
+            <a:pPr algn="ctr"/>
+            <a:r>
+              <a:rPr lang="zh-CN" altLang="en-US" sz="1200" dirty="0">
+                <a:solidFill>
+                  <a:srgbClr val="000000"/>
+                </a:solidFill>
+                <a:latin typeface="Consolas" panose="020B0609020204030204" pitchFamily="49" charset="0"/>
+              </a:rPr>
+              <a:t>使用</a:t>
+            </a:r>
+            <a:r>
+              <a:rPr lang="en-US" altLang="zh-CN" sz="1200" dirty="0">
+                <a:solidFill>
+                  <a:srgbClr val="000000"/>
+                </a:solidFill>
+                <a:latin typeface="Consolas" panose="020B0609020204030204" pitchFamily="49" charset="0"/>
+              </a:rPr>
+              <a:t>creator</a:t>
+            </a:r>
+            <a:r>
+              <a:rPr lang="zh-CN" altLang="en-US" sz="1200" dirty="0">
+                <a:solidFill>
+                  <a:srgbClr val="000000"/>
+                </a:solidFill>
+                <a:latin typeface="Consolas" panose="020B0609020204030204" pitchFamily="49" charset="0"/>
+              </a:rPr>
+              <a:t>根据参数生成</a:t>
+            </a:r>
+            <a:r>
+              <a:rPr lang="en-US" altLang="zh-CN" sz="1200" dirty="0">
+                <a:solidFill>
+                  <a:srgbClr val="000000"/>
+                </a:solidFill>
+                <a:latin typeface="Consolas" panose="020B0609020204030204" pitchFamily="49" charset="0"/>
+              </a:rPr>
+              <a:t>plugin</a:t>
+            </a:r>
+            <a:r>
+              <a:rPr lang="zh-CN" altLang="en-US" sz="1200" dirty="0">
+                <a:solidFill>
+                  <a:srgbClr val="000000"/>
+                </a:solidFill>
+                <a:latin typeface="Consolas" panose="020B0609020204030204" pitchFamily="49" charset="0"/>
+              </a:rPr>
+              <a:t>，并</a:t>
+            </a:r>
+            <a:r>
+              <a:rPr lang="en-US" altLang="zh-CN" sz="1200" dirty="0" err="1">
+                <a:solidFill>
+                  <a:srgbClr val="000000"/>
+                </a:solidFill>
+                <a:latin typeface="Consolas" panose="020B0609020204030204" pitchFamily="49" charset="0"/>
+              </a:rPr>
+              <a:t>addPlugin</a:t>
+            </a:r>
+            <a:r>
+              <a:rPr lang="zh-CN" altLang="en-US" sz="1200" dirty="0">
+                <a:solidFill>
+                  <a:srgbClr val="000000"/>
+                </a:solidFill>
+                <a:latin typeface="Consolas" panose="020B0609020204030204" pitchFamily="49" charset="0"/>
+              </a:rPr>
+              <a:t>到</a:t>
+            </a:r>
+            <a:r>
+              <a:rPr lang="en-US" altLang="zh-CN" sz="1200" dirty="0">
+                <a:solidFill>
+                  <a:srgbClr val="000000"/>
+                </a:solidFill>
+                <a:latin typeface="Consolas" panose="020B0609020204030204" pitchFamily="49" charset="0"/>
+              </a:rPr>
+              <a:t>network</a:t>
+            </a:r>
+            <a:r>
+              <a:rPr lang="zh-CN" altLang="en-US" sz="1200" dirty="0">
+                <a:solidFill>
+                  <a:srgbClr val="000000"/>
+                </a:solidFill>
+                <a:latin typeface="Consolas" panose="020B0609020204030204" pitchFamily="49" charset="0"/>
+              </a:rPr>
+              <a:t>中</a:t>
+            </a:r>
+            <a:endParaRPr lang="en-US" altLang="zh-CN" sz="1200" dirty="0">
+              <a:solidFill>
+                <a:srgbClr val="000000"/>
+              </a:solidFill>
+              <a:latin typeface="Consolas" panose="020B0609020204030204" pitchFamily="49" charset="0"/>
+            </a:endParaRPr>
+          </a:p>
+        </p:txBody>
+      </p:sp>
+      <p:cxnSp>
+        <p:nvCxnSpPr>
+          <p:cNvPr id="42" name="直接箭头连接符 41">
+            <a:extLst>
+              <a:ext uri="{FF2B5EF4-FFF2-40B4-BE49-F238E27FC236}">
+                <a16:creationId xmlns:a16="http://schemas.microsoft.com/office/drawing/2014/main" id="{D11C7339-193E-4419-A343-FDA9607CBCDA}"/>
+              </a:ext>
+            </a:extLst>
+          </p:cNvPr>
+          <p:cNvCxnSpPr>
+            <a:cxnSpLocks/>
+            <a:stCxn id="28" idx="2"/>
+            <a:endCxn id="36" idx="0"/>
+          </p:cNvCxnSpPr>
+          <p:nvPr/>
+        </p:nvCxnSpPr>
+        <p:spPr>
+          <a:xfrm>
+            <a:off x="2024089" y="3255049"/>
+            <a:ext cx="0" cy="347903"/>
+          </a:xfrm>
+          <a:prstGeom prst="straightConnector1">
+            <a:avLst/>
+          </a:prstGeom>
+          <a:ln>
+            <a:tailEnd type="triangle"/>
+          </a:ln>
+        </p:spPr>
+        <p:style>
+          <a:lnRef idx="2">
+            <a:schemeClr val="dk1"/>
+          </a:lnRef>
+          <a:fillRef idx="0">
+            <a:schemeClr val="dk1"/>
+          </a:fillRef>
+          <a:effectRef idx="1">
+            <a:schemeClr val="dk1"/>
+          </a:effectRef>
+          <a:fontRef idx="minor">
+            <a:schemeClr val="tx1"/>
+          </a:fontRef>
+        </p:style>
+      </p:cxnSp>
+      <p:cxnSp>
+        <p:nvCxnSpPr>
+          <p:cNvPr id="43" name="直接箭头连接符 42">
+            <a:extLst>
+              <a:ext uri="{FF2B5EF4-FFF2-40B4-BE49-F238E27FC236}">
+                <a16:creationId xmlns:a16="http://schemas.microsoft.com/office/drawing/2014/main" id="{DF5BE66E-6BD5-4FC2-813F-074E53116BE1}"/>
+              </a:ext>
+            </a:extLst>
+          </p:cNvPr>
+          <p:cNvCxnSpPr>
+            <a:cxnSpLocks/>
+            <a:stCxn id="24" idx="2"/>
+            <a:endCxn id="38" idx="0"/>
+          </p:cNvCxnSpPr>
+          <p:nvPr/>
+        </p:nvCxnSpPr>
+        <p:spPr>
+          <a:xfrm>
+            <a:off x="2024089" y="5206107"/>
+            <a:ext cx="0" cy="391579"/>
+          </a:xfrm>
+          <a:prstGeom prst="straightConnector1">
+            <a:avLst/>
+          </a:prstGeom>
+          <a:ln>
+            <a:tailEnd type="triangle"/>
+          </a:ln>
+        </p:spPr>
+        <p:style>
+          <a:lnRef idx="2">
+            <a:schemeClr val="dk1"/>
+          </a:lnRef>
+          <a:fillRef idx="0">
+            <a:schemeClr val="dk1"/>
+          </a:fillRef>
+          <a:effectRef idx="1">
+            <a:schemeClr val="dk1"/>
+          </a:effectRef>
+          <a:fontRef idx="minor">
+            <a:schemeClr val="tx1"/>
+          </a:fontRef>
+        </p:style>
+      </p:cxnSp>
+      <p:cxnSp>
+        <p:nvCxnSpPr>
+          <p:cNvPr id="44" name="直接箭头连接符 43">
+            <a:extLst>
+              <a:ext uri="{FF2B5EF4-FFF2-40B4-BE49-F238E27FC236}">
+                <a16:creationId xmlns:a16="http://schemas.microsoft.com/office/drawing/2014/main" id="{D1892601-2D28-48DC-8C9A-4C87B49A4F39}"/>
+              </a:ext>
+            </a:extLst>
+          </p:cNvPr>
+          <p:cNvCxnSpPr>
+            <a:cxnSpLocks/>
+            <a:stCxn id="38" idx="3"/>
+            <a:endCxn id="39" idx="1"/>
+          </p:cNvCxnSpPr>
+          <p:nvPr/>
+        </p:nvCxnSpPr>
+        <p:spPr>
+          <a:xfrm>
+            <a:off x="3449983" y="5818622"/>
+            <a:ext cx="240386" cy="0"/>
+          </a:xfrm>
+          <a:prstGeom prst="straightConnector1">
+            <a:avLst/>
+          </a:prstGeom>
+          <a:ln>
+            <a:tailEnd type="triangle"/>
+          </a:ln>
+        </p:spPr>
+        <p:style>
+          <a:lnRef idx="2">
+            <a:schemeClr val="dk1"/>
+          </a:lnRef>
+          <a:fillRef idx="0">
+            <a:schemeClr val="dk1"/>
+          </a:fillRef>
+          <a:effectRef idx="1">
+            <a:schemeClr val="dk1"/>
+          </a:effectRef>
+          <a:fontRef idx="minor">
+            <a:schemeClr val="tx1"/>
+          </a:fontRef>
+        </p:style>
+      </p:cxnSp>
+      <p:cxnSp>
+        <p:nvCxnSpPr>
+          <p:cNvPr id="45" name="直接箭头连接符 44">
+            <a:extLst>
+              <a:ext uri="{FF2B5EF4-FFF2-40B4-BE49-F238E27FC236}">
+                <a16:creationId xmlns:a16="http://schemas.microsoft.com/office/drawing/2014/main" id="{1D9B0477-F4A7-474E-BD0D-FA54D2BDF484}"/>
+              </a:ext>
+            </a:extLst>
+          </p:cNvPr>
+          <p:cNvCxnSpPr>
+            <a:cxnSpLocks/>
+            <a:stCxn id="39" idx="3"/>
+            <a:endCxn id="41" idx="1"/>
+          </p:cNvCxnSpPr>
+          <p:nvPr/>
+        </p:nvCxnSpPr>
+        <p:spPr>
+          <a:xfrm>
+            <a:off x="6542157" y="5818622"/>
+            <a:ext cx="240386" cy="0"/>
+          </a:xfrm>
+          <a:prstGeom prst="straightConnector1">
+            <a:avLst/>
+          </a:prstGeom>
+          <a:ln>
+            <a:tailEnd type="triangle"/>
+          </a:ln>
+        </p:spPr>
+        <p:style>
+          <a:lnRef idx="2">
+            <a:schemeClr val="dk1"/>
+          </a:lnRef>
+          <a:fillRef idx="0">
+            <a:schemeClr val="dk1"/>
+          </a:fillRef>
+          <a:effectRef idx="1">
+            <a:schemeClr val="dk1"/>
+          </a:effectRef>
+          <a:fontRef idx="minor">
+            <a:schemeClr val="tx1"/>
+          </a:fontRef>
+        </p:style>
+      </p:cxnSp>
+    </p:spTree>
+    <p:extLst>
+      <p:ext uri="{BB962C8B-B14F-4D97-AF65-F5344CB8AC3E}">
+        <p14:creationId xmlns:p14="http://schemas.microsoft.com/office/powerpoint/2010/main" val="135623792"/>
       </p:ext>
     </p:extLst>
   </p:cSld>
